--- a/slides/Module 2.pptx
+++ b/slides/Module 2.pptx
@@ -122,6 +122,11 @@
       </a:defRPr>
     </a:lvl9pPr>
   </p:defaultTextStyle>
+  <p:extLst>
+    <p:ext uri="{EFAFB233-063F-42B5-8137-9DF3F51BA10A}">
+      <p15:sldGuideLst xmlns:p15="http://schemas.microsoft.com/office/powerpoint/2012/main"/>
+    </p:ext>
+  </p:extLst>
 </p:presentation>
 </file>
 
@@ -3499,8 +3504,8 @@
           </a:p>
         </p:txBody>
       </p:sp>
-      <mc:AlternateContent xmlns:mc="http://schemas.openxmlformats.org/markup-compatibility/2006">
-        <mc:Choice xmlns:a14="http://schemas.microsoft.com/office/drawing/2010/main" Requires="a14">
+      <mc:AlternateContent xmlns:mc="http://schemas.openxmlformats.org/markup-compatibility/2006" xmlns:a14="http://schemas.microsoft.com/office/drawing/2010/main">
+        <mc:Choice Requires="a14">
           <p:sp>
             <p:nvSpPr>
               <p:cNvPr id="3" name="Content Placeholder 2">
@@ -3590,13 +3595,7 @@
                         <a:rPr lang="en-US" altLang="zh-CN" sz="2400" b="0" i="0" smtClean="0">
                           <a:latin typeface="Cambria Math" panose="02040503050406030204" pitchFamily="18" charset="0"/>
                         </a:rPr>
-                        <m:t>2 + 0</m:t>
-                      </m:r>
-                      <m:r>
-                        <a:rPr lang="en-US" altLang="zh-CN" sz="2400" b="0" i="0" smtClean="0">
-                          <a:latin typeface="Cambria Math" panose="02040503050406030204" pitchFamily="18" charset="0"/>
-                        </a:rPr>
-                        <m:t>.6827∙</m:t>
+                        <m:t>2 + 0.6827∙</m:t>
                       </m:r>
                       <m:r>
                         <m:rPr>
@@ -5060,7 +5059,7 @@
             </p:txBody>
           </p:sp>
         </mc:Choice>
-        <mc:Fallback>
+        <mc:Fallback xmlns="">
           <p:sp>
             <p:nvSpPr>
               <p:cNvPr id="3" name="Content Placeholder 2">
@@ -5169,8 +5168,8 @@
           </a:p>
         </p:txBody>
       </p:sp>
-      <mc:AlternateContent xmlns:mc="http://schemas.openxmlformats.org/markup-compatibility/2006">
-        <mc:Choice xmlns:a14="http://schemas.microsoft.com/office/drawing/2010/main" Requires="a14">
+      <mc:AlternateContent xmlns:mc="http://schemas.openxmlformats.org/markup-compatibility/2006" xmlns:a14="http://schemas.microsoft.com/office/drawing/2010/main">
+        <mc:Choice Requires="a14">
           <p:sp>
             <p:nvSpPr>
               <p:cNvPr id="3" name="Content Placeholder 2">
@@ -5492,7 +5491,7 @@
             </p:txBody>
           </p:sp>
         </mc:Choice>
-        <mc:Fallback>
+        <mc:Fallback xmlns="">
           <p:sp>
             <p:nvSpPr>
               <p:cNvPr id="3" name="Content Placeholder 2">
@@ -5601,8 +5600,8 @@
           </a:p>
         </p:txBody>
       </p:sp>
-      <mc:AlternateContent xmlns:mc="http://schemas.openxmlformats.org/markup-compatibility/2006">
-        <mc:Choice xmlns:a14="http://schemas.microsoft.com/office/drawing/2010/main" Requires="a14">
+      <mc:AlternateContent xmlns:mc="http://schemas.openxmlformats.org/markup-compatibility/2006" xmlns:a14="http://schemas.microsoft.com/office/drawing/2010/main">
+        <mc:Choice Requires="a14">
           <p:sp>
             <p:nvSpPr>
               <p:cNvPr id="3" name="Content Placeholder 2">
@@ -6476,7 +6475,7 @@
             </p:txBody>
           </p:sp>
         </mc:Choice>
-        <mc:Fallback>
+        <mc:Fallback xmlns="">
           <p:sp>
             <p:nvSpPr>
               <p:cNvPr id="3" name="Content Placeholder 2">
@@ -7931,8 +7930,8 @@
           </a:p>
         </p:txBody>
       </p:sp>
-      <mc:AlternateContent xmlns:mc="http://schemas.openxmlformats.org/markup-compatibility/2006">
-        <mc:Choice xmlns:a14="http://schemas.microsoft.com/office/drawing/2010/main" Requires="a14">
+      <mc:AlternateContent xmlns:mc="http://schemas.openxmlformats.org/markup-compatibility/2006" xmlns:a14="http://schemas.microsoft.com/office/drawing/2010/main">
+        <mc:Choice Requires="a14">
           <p:sp>
             <p:nvSpPr>
               <p:cNvPr id="3" name="Content Placeholder 2">
@@ -8188,7 +8187,7 @@
             </p:txBody>
           </p:sp>
         </mc:Choice>
-        <mc:Fallback>
+        <mc:Fallback xmlns="">
           <p:sp>
             <p:nvSpPr>
               <p:cNvPr id="3" name="Content Placeholder 2">
@@ -8312,8 +8311,8 @@
           </a:p>
         </p:txBody>
       </p:sp>
-      <mc:AlternateContent xmlns:mc="http://schemas.openxmlformats.org/markup-compatibility/2006">
-        <mc:Choice xmlns:a14="http://schemas.microsoft.com/office/drawing/2010/main" Requires="a14">
+      <mc:AlternateContent xmlns:mc="http://schemas.openxmlformats.org/markup-compatibility/2006" xmlns:a14="http://schemas.microsoft.com/office/drawing/2010/main">
+        <mc:Choice Requires="a14">
           <p:sp>
             <p:nvSpPr>
               <p:cNvPr id="3" name="Content Placeholder 2">
@@ -8965,7 +8964,7 @@
             </p:txBody>
           </p:sp>
         </mc:Choice>
-        <mc:Fallback>
+        <mc:Fallback xmlns="">
           <p:sp>
             <p:nvSpPr>
               <p:cNvPr id="3" name="Content Placeholder 2">
@@ -9081,8 +9080,8 @@
           </a:p>
         </p:txBody>
       </p:sp>
-      <mc:AlternateContent xmlns:mc="http://schemas.openxmlformats.org/markup-compatibility/2006">
-        <mc:Choice xmlns:a14="http://schemas.microsoft.com/office/drawing/2010/main" Requires="a14">
+      <mc:AlternateContent xmlns:mc="http://schemas.openxmlformats.org/markup-compatibility/2006" xmlns:a14="http://schemas.microsoft.com/office/drawing/2010/main">
+        <mc:Choice Requires="a14">
           <p:sp>
             <p:nvSpPr>
               <p:cNvPr id="3" name="Content Placeholder 2">
@@ -9483,7 +9482,7 @@
             </p:txBody>
           </p:sp>
         </mc:Choice>
-        <mc:Fallback>
+        <mc:Fallback xmlns="">
           <p:sp>
             <p:nvSpPr>
               <p:cNvPr id="3" name="Content Placeholder 2">
@@ -9621,7 +9620,7 @@
           </a:bodyPr>
           <a:lstStyle/>
           <a:p>
-            <a:pPr>
+            <a:pPr marL="0" indent="0">
               <a:lnSpc>
                 <a:spcPct val="107000"/>
               </a:lnSpc>
@@ -9631,17 +9630,9 @@
               <a:spcAft>
                 <a:spcPts val="240"/>
               </a:spcAft>
+              <a:buNone/>
             </a:pPr>
-            <a:r>
-              <a:rPr lang="en-US" altLang="zh-CN" dirty="0">
-                <a:effectLst/>
-                <a:latin typeface="Times New Roman" panose="02020603050405020304" pitchFamily="18" charset="0"/>
-                <a:ea typeface="等线" panose="02010600030101010101" pitchFamily="2" charset="-122"/>
-                <a:cs typeface="Times New Roman" panose="02020603050405020304" pitchFamily="18" charset="0"/>
-              </a:rPr>
-              <a:t>See R shiny</a:t>
-            </a:r>
-            <a:endParaRPr lang="zh-CN" altLang="zh-CN" dirty="0">
+            <a:endParaRPr lang="zh-CN" altLang="zh-CN" sz="2400" dirty="0">
               <a:effectLst/>
               <a:latin typeface="Times New Roman" panose="02020603050405020304" pitchFamily="18" charset="0"/>
               <a:ea typeface="等线" panose="02010600030101010101" pitchFamily="2" charset="-122"/>
@@ -9650,6 +9641,42 @@
           </a:p>
         </p:txBody>
       </p:sp>
+      <p:pic>
+        <p:nvPicPr>
+          <p:cNvPr id="4" name="Picture 3" descr="Graphical user interface, application&#10;&#10;Description automatically generated">
+            <a:extLst>
+              <a:ext uri="{FF2B5EF4-FFF2-40B4-BE49-F238E27FC236}">
+                <a16:creationId xmlns:a16="http://schemas.microsoft.com/office/drawing/2014/main" id="{372DDFC5-B568-4B9D-B3EE-F83430CD8638}"/>
+              </a:ext>
+            </a:extLst>
+          </p:cNvPr>
+          <p:cNvPicPr>
+            <a:picLocks noChangeAspect="1"/>
+          </p:cNvPicPr>
+          <p:nvPr/>
+        </p:nvPicPr>
+        <p:blipFill>
+          <a:blip r:embed="rId2">
+            <a:extLst>
+              <a:ext uri="{28A0092B-C50C-407E-A947-70E740481C1C}">
+                <a14:useLocalDpi xmlns:a14="http://schemas.microsoft.com/office/drawing/2010/main" val="0"/>
+              </a:ext>
+            </a:extLst>
+          </a:blip>
+          <a:stretch>
+            <a:fillRect/>
+          </a:stretch>
+        </p:blipFill>
+        <p:spPr>
+          <a:xfrm>
+            <a:off x="1638300" y="1690688"/>
+            <a:ext cx="9426996" cy="4247059"/>
+          </a:xfrm>
+          <a:prstGeom prst="rect">
+            <a:avLst/>
+          </a:prstGeom>
+        </p:spPr>
+      </p:pic>
     </p:spTree>
     <p:extLst>
       <p:ext uri="{BB962C8B-B14F-4D97-AF65-F5344CB8AC3E}">
@@ -11024,8 +11051,8 @@
           </a:p>
         </p:txBody>
       </p:sp>
-      <mc:AlternateContent xmlns:mc="http://schemas.openxmlformats.org/markup-compatibility/2006">
-        <mc:Choice xmlns:a14="http://schemas.microsoft.com/office/drawing/2010/main" Requires="a14">
+      <mc:AlternateContent xmlns:mc="http://schemas.openxmlformats.org/markup-compatibility/2006" xmlns:a14="http://schemas.microsoft.com/office/drawing/2010/main">
+        <mc:Choice Requires="a14">
           <p:sp>
             <p:nvSpPr>
               <p:cNvPr id="3" name="Content Placeholder 2">
@@ -11228,7 +11255,7 @@
             </p:txBody>
           </p:sp>
         </mc:Choice>
-        <mc:Fallback>
+        <mc:Fallback xmlns="">
           <p:sp>
             <p:nvSpPr>
               <p:cNvPr id="3" name="Content Placeholder 2">
@@ -12132,8 +12159,8 @@
           </a:p>
         </p:txBody>
       </p:sp>
-      <mc:AlternateContent xmlns:mc="http://schemas.openxmlformats.org/markup-compatibility/2006">
-        <mc:Choice xmlns:a14="http://schemas.microsoft.com/office/drawing/2010/main" Requires="a14">
+      <mc:AlternateContent xmlns:mc="http://schemas.openxmlformats.org/markup-compatibility/2006" xmlns:a14="http://schemas.microsoft.com/office/drawing/2010/main">
+        <mc:Choice Requires="a14">
           <p:graphicFrame>
             <p:nvGraphicFramePr>
               <p:cNvPr id="6" name="Table 6">
@@ -12544,7 +12571,7 @@
                               <m:sSup>
                                 <m:sSupPr>
                                   <m:ctrlPr>
-                                    <a:rPr lang="en-US" sz="1400" b="1" i="0" smtClean="0">
+                                    <a:rPr lang="en-US" sz="1400" b="1" i="1" smtClean="0">
                                       <a:solidFill>
                                         <a:sysClr val="windowText" lastClr="000000"/>
                                       </a:solidFill>
@@ -14366,7 +14393,7 @@
             </a:graphic>
           </p:graphicFrame>
         </mc:Choice>
-        <mc:Fallback>
+        <mc:Fallback xmlns="">
           <p:graphicFrame>
             <p:nvGraphicFramePr>
               <p:cNvPr id="6" name="Table 6">
@@ -16783,8 +16810,8 @@
           </a:p>
         </p:txBody>
       </p:sp>
-      <mc:AlternateContent xmlns:mc="http://schemas.openxmlformats.org/markup-compatibility/2006">
-        <mc:Choice xmlns:a14="http://schemas.microsoft.com/office/drawing/2010/main" Requires="a14">
+      <mc:AlternateContent xmlns:mc="http://schemas.openxmlformats.org/markup-compatibility/2006" xmlns:a14="http://schemas.microsoft.com/office/drawing/2010/main">
+        <mc:Choice Requires="a14">
           <p:sp>
             <p:nvSpPr>
               <p:cNvPr id="3" name="Content Placeholder 2">
@@ -16838,7 +16865,7 @@
                     <m:sSup>
                       <m:sSupPr>
                         <m:ctrlPr>
-                          <a:rPr lang="en-US" sz="2400" b="0" smtClean="0">
+                          <a:rPr lang="en-US" sz="2400" b="0" i="1" smtClean="0">
                             <a:latin typeface="Cambria Math" panose="02040503050406030204" pitchFamily="18" charset="0"/>
                             <a:cs typeface="Times New Roman" panose="02020603050405020304" pitchFamily="18" charset="0"/>
                           </a:rPr>
@@ -16994,7 +17021,7 @@
             </p:txBody>
           </p:sp>
         </mc:Choice>
-        <mc:Fallback>
+        <mc:Fallback xmlns="">
           <p:sp>
             <p:nvSpPr>
               <p:cNvPr id="3" name="Content Placeholder 2">
@@ -17104,8 +17131,8 @@
           </a:p>
         </p:txBody>
       </p:sp>
-      <mc:AlternateContent xmlns:mc="http://schemas.openxmlformats.org/markup-compatibility/2006">
-        <mc:Choice xmlns:a14="http://schemas.microsoft.com/office/drawing/2010/main" Requires="a14">
+      <mc:AlternateContent xmlns:mc="http://schemas.openxmlformats.org/markup-compatibility/2006" xmlns:a14="http://schemas.microsoft.com/office/drawing/2010/main">
+        <mc:Choice Requires="a14">
           <p:graphicFrame>
             <p:nvGraphicFramePr>
               <p:cNvPr id="4" name="Table 4">
@@ -17216,7 +17243,7 @@
                                 <m:sSup>
                                   <m:sSupPr>
                                     <m:ctrlPr>
-                                      <a:rPr lang="en-US" b="1" i="0" smtClean="0">
+                                      <a:rPr lang="en-US" b="1" i="1" smtClean="0">
                                         <a:solidFill>
                                           <a:sysClr val="windowText" lastClr="000000"/>
                                         </a:solidFill>
@@ -17797,7 +17824,7 @@
             </a:graphic>
           </p:graphicFrame>
         </mc:Choice>
-        <mc:Fallback>
+        <mc:Fallback xmlns="">
           <p:graphicFrame>
             <p:nvGraphicFramePr>
               <p:cNvPr id="4" name="Table 4">
@@ -18445,8 +18472,8 @@
           </p:graphicFrame>
         </mc:Fallback>
       </mc:AlternateContent>
-      <mc:AlternateContent xmlns:mc="http://schemas.openxmlformats.org/markup-compatibility/2006">
-        <mc:Choice xmlns:a14="http://schemas.microsoft.com/office/drawing/2010/main" Requires="a14">
+      <mc:AlternateContent xmlns:mc="http://schemas.openxmlformats.org/markup-compatibility/2006" xmlns:a14="http://schemas.microsoft.com/office/drawing/2010/main">
+        <mc:Choice Requires="a14">
           <p:sp>
             <p:nvSpPr>
               <p:cNvPr id="6" name="TextBox 5">
@@ -18573,7 +18600,7 @@
             </p:txBody>
           </p:sp>
         </mc:Choice>
-        <mc:Fallback>
+        <mc:Fallback xmlns="">
           <p:sp>
             <p:nvSpPr>
               <p:cNvPr id="6" name="TextBox 5">

--- a/slides/Module 2.pptx
+++ b/slides/Module 2.pptx
@@ -16613,7 +16613,7 @@
         </p:spPr>
         <p:txBody>
           <a:bodyPr>
-            <a:normAutofit fontScale="92500" lnSpcReduction="10000"/>
+            <a:normAutofit fontScale="85000" lnSpcReduction="10000"/>
           </a:bodyPr>
           <a:lstStyle/>
           <a:p>
@@ -16638,11 +16638,72 @@
               </a:lnSpc>
             </a:pPr>
             <a:r>
+              <a:rPr lang="en-US" sz="2600" dirty="0">
+                <a:latin typeface="Times New Roman" panose="02020603050405020304" pitchFamily="18" charset="0"/>
+                <a:cs typeface="Times New Roman" panose="02020603050405020304" pitchFamily="18" charset="0"/>
+              </a:rPr>
+              <a:t>Model 1</a:t>
+            </a:r>
+            <a:r>
+              <a:rPr lang="en-US" sz="2800" dirty="0">
+                <a:latin typeface="Times New Roman" panose="02020603050405020304" pitchFamily="18" charset="0"/>
+                <a:cs typeface="Times New Roman" panose="02020603050405020304" pitchFamily="18" charset="0"/>
+              </a:rPr>
+              <a:t>: </a:t>
+            </a:r>
+            <a:r>
               <a:rPr lang="en-US" sz="2400" dirty="0">
                 <a:latin typeface="Times New Roman" panose="02020603050405020304" pitchFamily="18" charset="0"/>
                 <a:cs typeface="Times New Roman" panose="02020603050405020304" pitchFamily="18" charset="0"/>
               </a:rPr>
-              <a:t>Model 1: BODYFAT ~ WEIGHT + ABDOMEN + FOREARM + WRIST</a:t>
+              <a:t>BODYFAT ~ AGE + ADIPOSITY</a:t>
+            </a:r>
+            <a:endParaRPr lang="en-US" sz="2800" dirty="0">
+              <a:latin typeface="Times New Roman" panose="02020603050405020304" pitchFamily="18" charset="0"/>
+              <a:cs typeface="Times New Roman" panose="02020603050405020304" pitchFamily="18" charset="0"/>
+            </a:endParaRPr>
+          </a:p>
+          <a:p>
+            <a:pPr marL="0" indent="0">
+              <a:lnSpc>
+                <a:spcPct val="150000"/>
+              </a:lnSpc>
+              <a:buNone/>
+            </a:pPr>
+            <a:r>
+              <a:rPr lang="en-US" sz="2800" dirty="0">
+                <a:latin typeface="Times New Roman" panose="02020603050405020304" pitchFamily="18" charset="0"/>
+                <a:cs typeface="Times New Roman" panose="02020603050405020304" pitchFamily="18" charset="0"/>
+              </a:rPr>
+              <a:t>    </a:t>
+            </a:r>
+            <a:r>
+              <a:rPr lang="en-US" sz="2400" dirty="0">
+                <a:latin typeface="Times New Roman" panose="02020603050405020304" pitchFamily="18" charset="0"/>
+                <a:cs typeface="Times New Roman" panose="02020603050405020304" pitchFamily="18" charset="0"/>
+              </a:rPr>
+              <a:t>(formula from Wikipedia: https://en.wikipedia.org/wiki/Body_fat_percentage#From_BMI)</a:t>
+            </a:r>
+          </a:p>
+          <a:p>
+            <a:pPr>
+              <a:lnSpc>
+                <a:spcPct val="150000"/>
+              </a:lnSpc>
+            </a:pPr>
+            <a:r>
+              <a:rPr lang="en-US" sz="2600" dirty="0">
+                <a:latin typeface="Times New Roman" panose="02020603050405020304" pitchFamily="18" charset="0"/>
+                <a:cs typeface="Times New Roman" panose="02020603050405020304" pitchFamily="18" charset="0"/>
+              </a:rPr>
+              <a:t>Model 2</a:t>
+            </a:r>
+            <a:r>
+              <a:rPr lang="en-US" sz="2400" dirty="0">
+                <a:latin typeface="Times New Roman" panose="02020603050405020304" pitchFamily="18" charset="0"/>
+                <a:cs typeface="Times New Roman" panose="02020603050405020304" pitchFamily="18" charset="0"/>
+              </a:rPr>
+              <a:t>: BODYFAT ~ WEIGHT + ABDOMEN + FOREARM + WRIST</a:t>
             </a:r>
           </a:p>
           <a:p>
@@ -16657,19 +16718,8 @@
                 <a:latin typeface="Times New Roman" panose="02020603050405020304" pitchFamily="18" charset="0"/>
                 <a:cs typeface="Times New Roman" panose="02020603050405020304" pitchFamily="18" charset="0"/>
               </a:rPr>
-              <a:t>   </a:t>
+              <a:t>   (selected by both direction selection using BIC criterion)</a:t>
             </a:r>
-            <a:r>
-              <a:rPr lang="en-US" sz="2000" dirty="0">
-                <a:latin typeface="Times New Roman" panose="02020603050405020304" pitchFamily="18" charset="0"/>
-                <a:cs typeface="Times New Roman" panose="02020603050405020304" pitchFamily="18" charset="0"/>
-              </a:rPr>
-              <a:t>(selected by both direction selection using BIC criterion)</a:t>
-            </a:r>
-            <a:endParaRPr lang="en-US" sz="2400" dirty="0">
-              <a:latin typeface="Times New Roman" panose="02020603050405020304" pitchFamily="18" charset="0"/>
-              <a:cs typeface="Times New Roman" panose="02020603050405020304" pitchFamily="18" charset="0"/>
-            </a:endParaRPr>
           </a:p>
           <a:p>
             <a:pPr>
@@ -16678,11 +16728,11 @@
               </a:lnSpc>
             </a:pPr>
             <a:r>
-              <a:rPr lang="en-US" sz="2400" dirty="0">
+              <a:rPr lang="en-US" sz="2600" dirty="0">
                 <a:latin typeface="Times New Roman" panose="02020603050405020304" pitchFamily="18" charset="0"/>
                 <a:cs typeface="Times New Roman" panose="02020603050405020304" pitchFamily="18" charset="0"/>
               </a:rPr>
-              <a:t>Model 2: Principal component regression</a:t>
+              <a:t>Model 3: Principal component regression</a:t>
             </a:r>
           </a:p>
           <a:p>
@@ -16697,55 +16747,8 @@
                 <a:latin typeface="Times New Roman" panose="02020603050405020304" pitchFamily="18" charset="0"/>
                 <a:cs typeface="Times New Roman" panose="02020603050405020304" pitchFamily="18" charset="0"/>
               </a:rPr>
-              <a:t>    </a:t>
+              <a:t>    (linear regression using first three principal components determined by eight main predictors)</a:t>
             </a:r>
-            <a:r>
-              <a:rPr lang="en-US" sz="2000" dirty="0">
-                <a:latin typeface="Times New Roman" panose="02020603050405020304" pitchFamily="18" charset="0"/>
-                <a:cs typeface="Times New Roman" panose="02020603050405020304" pitchFamily="18" charset="0"/>
-              </a:rPr>
-              <a:t>(linear regression using first three principal components determined by eight main predictors)</a:t>
-            </a:r>
-          </a:p>
-          <a:p>
-            <a:pPr>
-              <a:lnSpc>
-                <a:spcPct val="150000"/>
-              </a:lnSpc>
-            </a:pPr>
-            <a:r>
-              <a:rPr lang="en-US" sz="2400" dirty="0">
-                <a:latin typeface="Times New Roman" panose="02020603050405020304" pitchFamily="18" charset="0"/>
-                <a:cs typeface="Times New Roman" panose="02020603050405020304" pitchFamily="18" charset="0"/>
-              </a:rPr>
-              <a:t>Model 3: BODYFAT ~ AGE + ADIPOSITY</a:t>
-            </a:r>
-          </a:p>
-          <a:p>
-            <a:pPr marL="0" indent="0">
-              <a:lnSpc>
-                <a:spcPct val="150000"/>
-              </a:lnSpc>
-              <a:buNone/>
-            </a:pPr>
-            <a:r>
-              <a:rPr lang="en-US" sz="2400" dirty="0">
-                <a:latin typeface="Times New Roman" panose="02020603050405020304" pitchFamily="18" charset="0"/>
-                <a:cs typeface="Times New Roman" panose="02020603050405020304" pitchFamily="18" charset="0"/>
-              </a:rPr>
-              <a:t>    </a:t>
-            </a:r>
-            <a:r>
-              <a:rPr lang="en-US" sz="2200" dirty="0">
-                <a:latin typeface="Times New Roman" panose="02020603050405020304" pitchFamily="18" charset="0"/>
-                <a:cs typeface="Times New Roman" panose="02020603050405020304" pitchFamily="18" charset="0"/>
-              </a:rPr>
-              <a:t>(formula from Wikipedia: https://en.wikipedia.org/wiki/Body_fat_percentage#From_BMI)</a:t>
-            </a:r>
-            <a:endParaRPr lang="en-US" sz="2400" dirty="0">
-              <a:latin typeface="Times New Roman" panose="02020603050405020304" pitchFamily="18" charset="0"/>
-              <a:cs typeface="Times New Roman" panose="02020603050405020304" pitchFamily="18" charset="0"/>
-            </a:endParaRPr>
           </a:p>
         </p:txBody>
       </p:sp>
@@ -17131,8 +17134,8 @@
           </a:p>
         </p:txBody>
       </p:sp>
-      <mc:AlternateContent xmlns:mc="http://schemas.openxmlformats.org/markup-compatibility/2006" xmlns:a14="http://schemas.microsoft.com/office/drawing/2010/main">
-        <mc:Choice Requires="a14">
+      <mc:AlternateContent xmlns:mc="http://schemas.openxmlformats.org/markup-compatibility/2006">
+        <mc:Choice xmlns:a14="http://schemas.microsoft.com/office/drawing/2010/main" Requires="a14">
           <p:graphicFrame>
             <p:nvGraphicFramePr>
               <p:cNvPr id="4" name="Table 4">
@@ -17149,7 +17152,7 @@
                 <p:ph idx="1"/>
                 <p:extLst>
                   <p:ext uri="{D42A27DB-BD31-4B8C-83A1-F6EECF244321}">
-                    <p14:modId xmlns:p14="http://schemas.microsoft.com/office/powerpoint/2010/main" val="43502654"/>
+                    <p14:modId xmlns:p14="http://schemas.microsoft.com/office/powerpoint/2010/main" val="3375728378"/>
                   </p:ext>
                 </p:extLst>
               </p:nvPr>
@@ -17379,14 +17382,7 @@
                               <a:latin typeface="Times New Roman" panose="02020603050405020304" pitchFamily="18" charset="0"/>
                               <a:cs typeface="Times New Roman" panose="02020603050405020304" pitchFamily="18" charset="0"/>
                             </a:rPr>
-                            <a:t>BODYFAT ~ </a:t>
-                          </a:r>
-                          <a:r>
-                            <a:rPr lang="en-US" sz="1600" dirty="0">
-                              <a:latin typeface="Times New Roman" panose="02020603050405020304" pitchFamily="18" charset="0"/>
-                              <a:cs typeface="Times New Roman" panose="02020603050405020304" pitchFamily="18" charset="0"/>
-                            </a:rPr>
-                            <a:t>WEIGHT + ABDOMEN + FOREARM + WRIST</a:t>
+                            <a:t>BODYFAT ~ AGE + ADIPOSITY</a:t>
                           </a:r>
                         </a:p>
                         <a:p>
@@ -17399,7 +17395,7 @@
                               <a:latin typeface="Times New Roman" panose="02020603050405020304" pitchFamily="18" charset="0"/>
                               <a:cs typeface="Times New Roman" panose="02020603050405020304" pitchFamily="18" charset="0"/>
                             </a:rPr>
-                            <a:t>                                        (-0.1263)     (0.9163)           (0.4251)         (-1.4106)</a:t>
+                            <a:t>                                      (0.1243)   (1.4662)</a:t>
                           </a:r>
                         </a:p>
                       </a:txBody>
@@ -17413,320 +17409,8 @@
                           <a:headEnd type="none" w="med" len="med"/>
                           <a:tailEnd type="none" w="med" len="med"/>
                         </a:lnT>
-                        <a:noFill/>
-                      </a:tcPr>
-                    </a:tc>
-                    <a:tc>
-                      <a:txBody>
-                        <a:bodyPr/>
-                        <a:lstStyle/>
-                        <a:p>
-                          <a:pPr algn="ctr"/>
-                          <a:r>
-                            <a:rPr lang="en-US" dirty="0">
-                              <a:solidFill>
-                                <a:sysClr val="windowText" lastClr="000000"/>
-                              </a:solidFill>
-                              <a:latin typeface="Times New Roman" panose="02020603050405020304" pitchFamily="18" charset="0"/>
-                              <a:cs typeface="Times New Roman" panose="02020603050405020304" pitchFamily="18" charset="0"/>
-                            </a:rPr>
-                            <a:t>0.7303</a:t>
-                          </a:r>
-                        </a:p>
-                      </a:txBody>
-                      <a:tcPr anchor="ctr">
-                        <a:lnT w="12700" cap="flat" cmpd="sng" algn="ctr">
-                          <a:solidFill>
-                            <a:schemeClr val="tx1"/>
-                          </a:solidFill>
-                          <a:prstDash val="solid"/>
-                          <a:round/>
-                          <a:headEnd type="none" w="med" len="med"/>
-                          <a:tailEnd type="none" w="med" len="med"/>
-                        </a:lnT>
-                        <a:noFill/>
-                      </a:tcPr>
-                    </a:tc>
-                    <a:tc>
-                      <a:txBody>
-                        <a:bodyPr/>
-                        <a:lstStyle/>
-                        <a:p>
-                          <a:pPr algn="ctr"/>
-                          <a:r>
-                            <a:rPr lang="en-US" dirty="0">
-                              <a:solidFill>
-                                <a:sysClr val="windowText" lastClr="000000"/>
-                              </a:solidFill>
-                              <a:latin typeface="Times New Roman" panose="02020603050405020304" pitchFamily="18" charset="0"/>
-                              <a:cs typeface="Times New Roman" panose="02020603050405020304" pitchFamily="18" charset="0"/>
-                            </a:rPr>
-                            <a:t>16.5233</a:t>
-                          </a:r>
-                        </a:p>
-                      </a:txBody>
-                      <a:tcPr anchor="ctr">
-                        <a:lnT w="12700" cap="flat" cmpd="sng" algn="ctr">
-                          <a:solidFill>
-                            <a:schemeClr val="tx1"/>
-                          </a:solidFill>
-                          <a:prstDash val="solid"/>
-                          <a:round/>
-                          <a:headEnd type="none" w="med" len="med"/>
-                          <a:tailEnd type="none" w="med" len="med"/>
-                        </a:lnT>
-                        <a:noFill/>
-                      </a:tcPr>
-                    </a:tc>
-                    <a:extLst>
-                      <a:ext uri="{0D108BD9-81ED-4DB2-BD59-A6C34878D82A}">
-                        <a16:rowId xmlns:a16="http://schemas.microsoft.com/office/drawing/2014/main" val="1663483134"/>
-                      </a:ext>
-                    </a:extLst>
-                  </a:tr>
-                  <a:tr h="370840">
-                    <a:tc>
-                      <a:txBody>
-                        <a:bodyPr/>
-                        <a:lstStyle/>
-                        <a:p>
-                          <a:pPr algn="l"/>
-                          <a:r>
-                            <a:rPr lang="en-US" dirty="0">
-                              <a:solidFill>
-                                <a:sysClr val="windowText" lastClr="000000"/>
-                              </a:solidFill>
-                              <a:latin typeface="Times New Roman" panose="02020603050405020304" pitchFamily="18" charset="0"/>
-                              <a:cs typeface="Times New Roman" panose="02020603050405020304" pitchFamily="18" charset="0"/>
-                            </a:rPr>
-                            <a:t>Model 2: </a:t>
-                          </a:r>
-                          <a:r>
-                            <a:rPr lang="en-US" sz="1800" dirty="0">
-                              <a:solidFill>
-                                <a:sysClr val="windowText" lastClr="000000"/>
-                              </a:solidFill>
-                              <a:latin typeface="Times New Roman" panose="02020603050405020304" pitchFamily="18" charset="0"/>
-                              <a:cs typeface="Times New Roman" panose="02020603050405020304" pitchFamily="18" charset="0"/>
-                            </a:rPr>
-                            <a:t>Principal Component Regression</a:t>
-                          </a:r>
-                        </a:p>
-                        <a:p>
-                          <a:pPr algn="l"/>
-                          <a:r>
-                            <a:rPr lang="en-US" sz="1800" dirty="0">
-                              <a:solidFill>
-                                <a:sysClr val="windowText" lastClr="000000"/>
-                              </a:solidFill>
-                              <a:latin typeface="Times New Roman" panose="02020603050405020304" pitchFamily="18" charset="0"/>
-                              <a:cs typeface="Times New Roman" panose="02020603050405020304" pitchFamily="18" charset="0"/>
-                            </a:rPr>
-                            <a:t>                (BODYFAT ~ </a:t>
-                          </a:r>
-                          <a:r>
-                            <a:rPr lang="en-US" dirty="0">
-                              <a:latin typeface="Times New Roman" panose="02020603050405020304" pitchFamily="18" charset="0"/>
-                              <a:cs typeface="Times New Roman" panose="02020603050405020304" pitchFamily="18" charset="0"/>
-                            </a:rPr>
-                            <a:t>0.1627</a:t>
-                          </a:r>
-                          <a:r>
-                            <a:rPr lang="en-US" altLang="zh-CN" dirty="0">
-                              <a:latin typeface="Times New Roman" panose="02020603050405020304" pitchFamily="18" charset="0"/>
-                              <a:cs typeface="Times New Roman" panose="02020603050405020304" pitchFamily="18" charset="0"/>
-                            </a:rPr>
-                            <a:t>·</a:t>
-                          </a:r>
-                          <a:r>
-                            <a:rPr lang="en-US" dirty="0">
-                              <a:latin typeface="Times New Roman" panose="02020603050405020304" pitchFamily="18" charset="0"/>
-                              <a:cs typeface="Times New Roman" panose="02020603050405020304" pitchFamily="18" charset="0"/>
-                            </a:rPr>
-                            <a:t>pc1</a:t>
-                          </a:r>
-                          <a:r>
-                            <a:rPr lang="en-US" sz="1800" dirty="0">
-                              <a:solidFill>
-                                <a:sysClr val="windowText" lastClr="000000"/>
-                              </a:solidFill>
-                              <a:latin typeface="Times New Roman" panose="02020603050405020304" pitchFamily="18" charset="0"/>
-                              <a:cs typeface="Times New Roman" panose="02020603050405020304" pitchFamily="18" charset="0"/>
-                            </a:rPr>
-                            <a:t> + </a:t>
-                          </a:r>
-                          <a:r>
-                            <a:rPr lang="en-US" dirty="0">
-                              <a:latin typeface="Times New Roman" panose="02020603050405020304" pitchFamily="18" charset="0"/>
-                              <a:cs typeface="Times New Roman" panose="02020603050405020304" pitchFamily="18" charset="0"/>
-                            </a:rPr>
-                            <a:t>0.1828</a:t>
-                          </a:r>
-                          <a:r>
-                            <a:rPr lang="en-US" altLang="zh-CN" dirty="0">
-                              <a:latin typeface="Times New Roman" panose="02020603050405020304" pitchFamily="18" charset="0"/>
-                              <a:cs typeface="Times New Roman" panose="02020603050405020304" pitchFamily="18" charset="0"/>
-                            </a:rPr>
-                            <a:t>·</a:t>
-                          </a:r>
-                          <a:r>
-                            <a:rPr lang="en-US" dirty="0">
-                              <a:latin typeface="Times New Roman" panose="02020603050405020304" pitchFamily="18" charset="0"/>
-                              <a:cs typeface="Times New Roman" panose="02020603050405020304" pitchFamily="18" charset="0"/>
-                            </a:rPr>
-                            <a:t>pc2 +</a:t>
-                          </a:r>
-                          <a:r>
-                            <a:rPr lang="en-US" sz="1800" dirty="0">
-                              <a:solidFill>
-                                <a:sysClr val="windowText" lastClr="000000"/>
-                              </a:solidFill>
-                              <a:latin typeface="Times New Roman" panose="02020603050405020304" pitchFamily="18" charset="0"/>
-                              <a:cs typeface="Times New Roman" panose="02020603050405020304" pitchFamily="18" charset="0"/>
-                            </a:rPr>
-                            <a:t> </a:t>
-                          </a:r>
-                          <a:r>
-                            <a:rPr lang="en-US" dirty="0">
-                              <a:latin typeface="Times New Roman" panose="02020603050405020304" pitchFamily="18" charset="0"/>
-                              <a:cs typeface="Times New Roman" panose="02020603050405020304" pitchFamily="18" charset="0"/>
-                            </a:rPr>
-                            <a:t>0.6809</a:t>
-                          </a:r>
-                          <a:r>
-                            <a:rPr lang="en-US" altLang="zh-CN" dirty="0">
-                              <a:latin typeface="Times New Roman" panose="02020603050405020304" pitchFamily="18" charset="0"/>
-                              <a:cs typeface="Times New Roman" panose="02020603050405020304" pitchFamily="18" charset="0"/>
-                            </a:rPr>
-                            <a:t>·</a:t>
-                          </a:r>
-                          <a:r>
-                            <a:rPr lang="en-US" dirty="0">
-                              <a:latin typeface="Times New Roman" panose="02020603050405020304" pitchFamily="18" charset="0"/>
-                              <a:cs typeface="Times New Roman" panose="02020603050405020304" pitchFamily="18" charset="0"/>
-                            </a:rPr>
-                            <a:t>pc3</a:t>
-                          </a:r>
-                          <a:r>
-                            <a:rPr lang="en-US" sz="1800" dirty="0">
-                              <a:solidFill>
-                                <a:sysClr val="windowText" lastClr="000000"/>
-                              </a:solidFill>
-                              <a:latin typeface="Times New Roman" panose="02020603050405020304" pitchFamily="18" charset="0"/>
-                              <a:cs typeface="Times New Roman" panose="02020603050405020304" pitchFamily="18" charset="0"/>
-                            </a:rPr>
-                            <a:t>)</a:t>
-                          </a:r>
-                          <a:endParaRPr lang="en-US" dirty="0">
-                            <a:solidFill>
-                              <a:sysClr val="windowText" lastClr="000000"/>
-                            </a:solidFill>
-                            <a:latin typeface="Times New Roman" panose="02020603050405020304" pitchFamily="18" charset="0"/>
-                            <a:cs typeface="Times New Roman" panose="02020603050405020304" pitchFamily="18" charset="0"/>
-                          </a:endParaRPr>
-                        </a:p>
-                      </a:txBody>
-                      <a:tcPr anchor="ctr">
-                        <a:noFill/>
-                      </a:tcPr>
-                    </a:tc>
-                    <a:tc>
-                      <a:txBody>
-                        <a:bodyPr/>
-                        <a:lstStyle/>
-                        <a:p>
-                          <a:pPr algn="ctr"/>
-                          <a:r>
-                            <a:rPr lang="en-US" dirty="0">
-                              <a:solidFill>
-                                <a:sysClr val="windowText" lastClr="000000"/>
-                              </a:solidFill>
-                              <a:latin typeface="Times New Roman" panose="02020603050405020304" pitchFamily="18" charset="0"/>
-                              <a:cs typeface="Times New Roman" panose="02020603050405020304" pitchFamily="18" charset="0"/>
-                            </a:rPr>
-                            <a:t>0.6931</a:t>
-                          </a:r>
-                        </a:p>
-                      </a:txBody>
-                      <a:tcPr anchor="ctr">
-                        <a:noFill/>
-                      </a:tcPr>
-                    </a:tc>
-                    <a:tc>
-                      <a:txBody>
-                        <a:bodyPr/>
-                        <a:lstStyle/>
-                        <a:p>
-                          <a:pPr algn="ctr"/>
-                          <a:r>
-                            <a:rPr lang="en-US" dirty="0">
-                              <a:solidFill>
-                                <a:sysClr val="windowText" lastClr="000000"/>
-                              </a:solidFill>
-                              <a:latin typeface="Times New Roman" panose="02020603050405020304" pitchFamily="18" charset="0"/>
-                              <a:cs typeface="Times New Roman" panose="02020603050405020304" pitchFamily="18" charset="0"/>
-                            </a:rPr>
-                            <a:t>18.9736</a:t>
-                          </a:r>
-                        </a:p>
-                      </a:txBody>
-                      <a:tcPr anchor="ctr">
-                        <a:noFill/>
-                      </a:tcPr>
-                    </a:tc>
-                    <a:extLst>
-                      <a:ext uri="{0D108BD9-81ED-4DB2-BD59-A6C34878D82A}">
-                        <a16:rowId xmlns:a16="http://schemas.microsoft.com/office/drawing/2014/main" val="1385142118"/>
-                      </a:ext>
-                    </a:extLst>
-                  </a:tr>
-                  <a:tr h="370840">
-                    <a:tc>
-                      <a:txBody>
-                        <a:bodyPr/>
-                        <a:lstStyle/>
-                        <a:p>
-                          <a:pPr algn="l"/>
-                          <a:r>
-                            <a:rPr lang="en-US" sz="1800" dirty="0">
-                              <a:solidFill>
-                                <a:sysClr val="windowText" lastClr="000000"/>
-                              </a:solidFill>
-                              <a:latin typeface="Times New Roman" panose="02020603050405020304" pitchFamily="18" charset="0"/>
-                              <a:cs typeface="Times New Roman" panose="02020603050405020304" pitchFamily="18" charset="0"/>
-                            </a:rPr>
-                            <a:t>Model 3: </a:t>
-                          </a:r>
-                          <a:r>
-                            <a:rPr lang="en-US" sz="1600" dirty="0">
-                              <a:solidFill>
-                                <a:sysClr val="windowText" lastClr="000000"/>
-                              </a:solidFill>
-                              <a:latin typeface="Times New Roman" panose="02020603050405020304" pitchFamily="18" charset="0"/>
-                              <a:cs typeface="Times New Roman" panose="02020603050405020304" pitchFamily="18" charset="0"/>
-                            </a:rPr>
-                            <a:t>BODYFAT ~ AGE + ADIPOSITY</a:t>
-                          </a:r>
-                        </a:p>
-                        <a:p>
-                          <a:pPr algn="l"/>
-                          <a:r>
-                            <a:rPr lang="en-US" sz="1600" dirty="0">
-                              <a:solidFill>
-                                <a:sysClr val="windowText" lastClr="000000"/>
-                              </a:solidFill>
-                              <a:latin typeface="Times New Roman" panose="02020603050405020304" pitchFamily="18" charset="0"/>
-                              <a:cs typeface="Times New Roman" panose="02020603050405020304" pitchFamily="18" charset="0"/>
-                            </a:rPr>
-                            <a:t>                                      (0.1243)   (1.4662)</a:t>
-                          </a:r>
-                        </a:p>
-                      </a:txBody>
-                      <a:tcPr anchor="ctr">
                         <a:lnB w="12700" cap="flat" cmpd="sng" algn="ctr">
-                          <a:solidFill>
-                            <a:schemeClr val="tx1"/>
-                          </a:solidFill>
+                          <a:noFill/>
                           <a:prstDash val="solid"/>
                           <a:round/>
                           <a:headEnd type="none" w="med" len="med"/>
@@ -17770,10 +17454,17 @@
                         </a:p>
                       </a:txBody>
                       <a:tcPr anchor="ctr">
-                        <a:lnB w="12700" cap="flat" cmpd="sng" algn="ctr">
+                        <a:lnT w="12700" cap="flat" cmpd="sng" algn="ctr">
                           <a:solidFill>
                             <a:schemeClr val="tx1"/>
                           </a:solidFill>
+                          <a:prstDash val="solid"/>
+                          <a:round/>
+                          <a:headEnd type="none" w="med" len="med"/>
+                          <a:tailEnd type="none" w="med" len="med"/>
+                        </a:lnT>
+                        <a:lnB w="12700" cap="flat" cmpd="sng" algn="ctr">
+                          <a:noFill/>
                           <a:prstDash val="solid"/>
                           <a:round/>
                           <a:headEnd type="none" w="med" len="med"/>
@@ -17801,10 +17492,17 @@
                         </a:p>
                       </a:txBody>
                       <a:tcPr anchor="ctr">
-                        <a:lnB w="12700" cap="flat" cmpd="sng" algn="ctr">
+                        <a:lnT w="12700" cap="flat" cmpd="sng" algn="ctr">
                           <a:solidFill>
                             <a:schemeClr val="tx1"/>
                           </a:solidFill>
+                          <a:prstDash val="solid"/>
+                          <a:round/>
+                          <a:headEnd type="none" w="med" len="med"/>
+                          <a:tailEnd type="none" w="med" len="med"/>
+                        </a:lnT>
+                        <a:lnB w="12700" cap="flat" cmpd="sng" algn="ctr">
+                          <a:noFill/>
                           <a:prstDash val="solid"/>
                           <a:round/>
                           <a:headEnd type="none" w="med" len="med"/>
@@ -17815,7 +17513,327 @@
                     </a:tc>
                     <a:extLst>
                       <a:ext uri="{0D108BD9-81ED-4DB2-BD59-A6C34878D82A}">
-                        <a16:rowId xmlns:a16="http://schemas.microsoft.com/office/drawing/2014/main" val="2710235601"/>
+                        <a16:rowId xmlns:a16="http://schemas.microsoft.com/office/drawing/2014/main" val="1857135404"/>
+                      </a:ext>
+                    </a:extLst>
+                  </a:tr>
+                  <a:tr h="370840">
+                    <a:tc>
+                      <a:txBody>
+                        <a:bodyPr/>
+                        <a:lstStyle/>
+                        <a:p>
+                          <a:pPr algn="l"/>
+                          <a:r>
+                            <a:rPr lang="en-US" sz="1800" dirty="0">
+                              <a:solidFill>
+                                <a:sysClr val="windowText" lastClr="000000"/>
+                              </a:solidFill>
+                              <a:latin typeface="Times New Roman" panose="02020603050405020304" pitchFamily="18" charset="0"/>
+                              <a:cs typeface="Times New Roman" panose="02020603050405020304" pitchFamily="18" charset="0"/>
+                            </a:rPr>
+                            <a:t>Model 2: </a:t>
+                          </a:r>
+                          <a:r>
+                            <a:rPr lang="en-US" sz="1600" dirty="0">
+                              <a:solidFill>
+                                <a:sysClr val="windowText" lastClr="000000"/>
+                              </a:solidFill>
+                              <a:latin typeface="Times New Roman" panose="02020603050405020304" pitchFamily="18" charset="0"/>
+                              <a:cs typeface="Times New Roman" panose="02020603050405020304" pitchFamily="18" charset="0"/>
+                            </a:rPr>
+                            <a:t>BODYFAT ~ </a:t>
+                          </a:r>
+                          <a:r>
+                            <a:rPr lang="en-US" sz="1600" dirty="0">
+                              <a:latin typeface="Times New Roman" panose="02020603050405020304" pitchFamily="18" charset="0"/>
+                              <a:cs typeface="Times New Roman" panose="02020603050405020304" pitchFamily="18" charset="0"/>
+                            </a:rPr>
+                            <a:t>WEIGHT + ABDOMEN + FOREARM + WRIST</a:t>
+                          </a:r>
+                        </a:p>
+                        <a:p>
+                          <a:pPr algn="l"/>
+                          <a:r>
+                            <a:rPr lang="en-US" sz="1600" dirty="0">
+                              <a:solidFill>
+                                <a:sysClr val="windowText" lastClr="000000"/>
+                              </a:solidFill>
+                              <a:latin typeface="Times New Roman" panose="02020603050405020304" pitchFamily="18" charset="0"/>
+                              <a:cs typeface="Times New Roman" panose="02020603050405020304" pitchFamily="18" charset="0"/>
+                            </a:rPr>
+                            <a:t>                                        (-0.1263)     (0.9163)           (0.4251)         (-1.4106)</a:t>
+                          </a:r>
+                        </a:p>
+                      </a:txBody>
+                      <a:tcPr anchor="ctr">
+                        <a:lnT w="12700" cap="flat" cmpd="sng" algn="ctr">
+                          <a:noFill/>
+                          <a:prstDash val="solid"/>
+                          <a:round/>
+                          <a:headEnd type="none" w="med" len="med"/>
+                          <a:tailEnd type="none" w="med" len="med"/>
+                        </a:lnT>
+                        <a:noFill/>
+                      </a:tcPr>
+                    </a:tc>
+                    <a:tc>
+                      <a:txBody>
+                        <a:bodyPr/>
+                        <a:lstStyle/>
+                        <a:p>
+                          <a:pPr algn="ctr"/>
+                          <a:r>
+                            <a:rPr lang="en-US" dirty="0">
+                              <a:solidFill>
+                                <a:sysClr val="windowText" lastClr="000000"/>
+                              </a:solidFill>
+                              <a:latin typeface="Times New Roman" panose="02020603050405020304" pitchFamily="18" charset="0"/>
+                              <a:cs typeface="Times New Roman" panose="02020603050405020304" pitchFamily="18" charset="0"/>
+                            </a:rPr>
+                            <a:t>0.7303</a:t>
+                          </a:r>
+                        </a:p>
+                      </a:txBody>
+                      <a:tcPr anchor="ctr">
+                        <a:lnT w="12700" cap="flat" cmpd="sng" algn="ctr">
+                          <a:noFill/>
+                          <a:prstDash val="solid"/>
+                          <a:round/>
+                          <a:headEnd type="none" w="med" len="med"/>
+                          <a:tailEnd type="none" w="med" len="med"/>
+                        </a:lnT>
+                        <a:noFill/>
+                      </a:tcPr>
+                    </a:tc>
+                    <a:tc>
+                      <a:txBody>
+                        <a:bodyPr/>
+                        <a:lstStyle/>
+                        <a:p>
+                          <a:pPr algn="ctr"/>
+                          <a:r>
+                            <a:rPr lang="en-US" dirty="0">
+                              <a:solidFill>
+                                <a:sysClr val="windowText" lastClr="000000"/>
+                              </a:solidFill>
+                              <a:latin typeface="Times New Roman" panose="02020603050405020304" pitchFamily="18" charset="0"/>
+                              <a:cs typeface="Times New Roman" panose="02020603050405020304" pitchFamily="18" charset="0"/>
+                            </a:rPr>
+                            <a:t>16.5233</a:t>
+                          </a:r>
+                        </a:p>
+                      </a:txBody>
+                      <a:tcPr anchor="ctr">
+                        <a:lnT w="12700" cap="flat" cmpd="sng" algn="ctr">
+                          <a:noFill/>
+                          <a:prstDash val="solid"/>
+                          <a:round/>
+                          <a:headEnd type="none" w="med" len="med"/>
+                          <a:tailEnd type="none" w="med" len="med"/>
+                        </a:lnT>
+                        <a:noFill/>
+                      </a:tcPr>
+                    </a:tc>
+                    <a:extLst>
+                      <a:ext uri="{0D108BD9-81ED-4DB2-BD59-A6C34878D82A}">
+                        <a16:rowId xmlns:a16="http://schemas.microsoft.com/office/drawing/2014/main" val="1663483134"/>
+                      </a:ext>
+                    </a:extLst>
+                  </a:tr>
+                  <a:tr h="370840">
+                    <a:tc>
+                      <a:txBody>
+                        <a:bodyPr/>
+                        <a:lstStyle/>
+                        <a:p>
+                          <a:pPr algn="l"/>
+                          <a:r>
+                            <a:rPr lang="en-US" dirty="0">
+                              <a:solidFill>
+                                <a:sysClr val="windowText" lastClr="000000"/>
+                              </a:solidFill>
+                              <a:latin typeface="Times New Roman" panose="02020603050405020304" pitchFamily="18" charset="0"/>
+                              <a:cs typeface="Times New Roman" panose="02020603050405020304" pitchFamily="18" charset="0"/>
+                            </a:rPr>
+                            <a:t>Model 3: </a:t>
+                          </a:r>
+                          <a:r>
+                            <a:rPr lang="en-US" sz="1800" dirty="0">
+                              <a:solidFill>
+                                <a:sysClr val="windowText" lastClr="000000"/>
+                              </a:solidFill>
+                              <a:latin typeface="Times New Roman" panose="02020603050405020304" pitchFamily="18" charset="0"/>
+                              <a:cs typeface="Times New Roman" panose="02020603050405020304" pitchFamily="18" charset="0"/>
+                            </a:rPr>
+                            <a:t>Principal Component Regression</a:t>
+                          </a:r>
+                        </a:p>
+                        <a:p>
+                          <a:pPr algn="l"/>
+                          <a:r>
+                            <a:rPr lang="en-US" sz="1800" dirty="0">
+                              <a:solidFill>
+                                <a:sysClr val="windowText" lastClr="000000"/>
+                              </a:solidFill>
+                              <a:latin typeface="Times New Roman" panose="02020603050405020304" pitchFamily="18" charset="0"/>
+                              <a:cs typeface="Times New Roman" panose="02020603050405020304" pitchFamily="18" charset="0"/>
+                            </a:rPr>
+                            <a:t>                (BODYFAT ~ </a:t>
+                          </a:r>
+                          <a:r>
+                            <a:rPr lang="en-US" dirty="0">
+                              <a:latin typeface="Times New Roman" panose="02020603050405020304" pitchFamily="18" charset="0"/>
+                              <a:cs typeface="Times New Roman" panose="02020603050405020304" pitchFamily="18" charset="0"/>
+                            </a:rPr>
+                            <a:t>0.1627</a:t>
+                          </a:r>
+                          <a:r>
+                            <a:rPr lang="en-US" altLang="zh-CN" dirty="0">
+                              <a:latin typeface="Times New Roman" panose="02020603050405020304" pitchFamily="18" charset="0"/>
+                              <a:cs typeface="Times New Roman" panose="02020603050405020304" pitchFamily="18" charset="0"/>
+                            </a:rPr>
+                            <a:t>·</a:t>
+                          </a:r>
+                          <a:r>
+                            <a:rPr lang="en-US" dirty="0">
+                              <a:latin typeface="Times New Roman" panose="02020603050405020304" pitchFamily="18" charset="0"/>
+                              <a:cs typeface="Times New Roman" panose="02020603050405020304" pitchFamily="18" charset="0"/>
+                            </a:rPr>
+                            <a:t>pc1</a:t>
+                          </a:r>
+                          <a:r>
+                            <a:rPr lang="en-US" sz="1800" dirty="0">
+                              <a:solidFill>
+                                <a:sysClr val="windowText" lastClr="000000"/>
+                              </a:solidFill>
+                              <a:latin typeface="Times New Roman" panose="02020603050405020304" pitchFamily="18" charset="0"/>
+                              <a:cs typeface="Times New Roman" panose="02020603050405020304" pitchFamily="18" charset="0"/>
+                            </a:rPr>
+                            <a:t> + </a:t>
+                          </a:r>
+                          <a:r>
+                            <a:rPr lang="en-US" dirty="0">
+                              <a:latin typeface="Times New Roman" panose="02020603050405020304" pitchFamily="18" charset="0"/>
+                              <a:cs typeface="Times New Roman" panose="02020603050405020304" pitchFamily="18" charset="0"/>
+                            </a:rPr>
+                            <a:t>0.1828</a:t>
+                          </a:r>
+                          <a:r>
+                            <a:rPr lang="en-US" altLang="zh-CN" dirty="0">
+                              <a:latin typeface="Times New Roman" panose="02020603050405020304" pitchFamily="18" charset="0"/>
+                              <a:cs typeface="Times New Roman" panose="02020603050405020304" pitchFamily="18" charset="0"/>
+                            </a:rPr>
+                            <a:t>·</a:t>
+                          </a:r>
+                          <a:r>
+                            <a:rPr lang="en-US" dirty="0">
+                              <a:latin typeface="Times New Roman" panose="02020603050405020304" pitchFamily="18" charset="0"/>
+                              <a:cs typeface="Times New Roman" panose="02020603050405020304" pitchFamily="18" charset="0"/>
+                            </a:rPr>
+                            <a:t>pc2 +</a:t>
+                          </a:r>
+                          <a:r>
+                            <a:rPr lang="en-US" sz="1800" dirty="0">
+                              <a:solidFill>
+                                <a:sysClr val="windowText" lastClr="000000"/>
+                              </a:solidFill>
+                              <a:latin typeface="Times New Roman" panose="02020603050405020304" pitchFamily="18" charset="0"/>
+                              <a:cs typeface="Times New Roman" panose="02020603050405020304" pitchFamily="18" charset="0"/>
+                            </a:rPr>
+                            <a:t> </a:t>
+                          </a:r>
+                          <a:r>
+                            <a:rPr lang="en-US" dirty="0">
+                              <a:latin typeface="Times New Roman" panose="02020603050405020304" pitchFamily="18" charset="0"/>
+                              <a:cs typeface="Times New Roman" panose="02020603050405020304" pitchFamily="18" charset="0"/>
+                            </a:rPr>
+                            <a:t>0.6809</a:t>
+                          </a:r>
+                          <a:r>
+                            <a:rPr lang="en-US" altLang="zh-CN" dirty="0">
+                              <a:latin typeface="Times New Roman" panose="02020603050405020304" pitchFamily="18" charset="0"/>
+                              <a:cs typeface="Times New Roman" panose="02020603050405020304" pitchFamily="18" charset="0"/>
+                            </a:rPr>
+                            <a:t>·</a:t>
+                          </a:r>
+                          <a:r>
+                            <a:rPr lang="en-US" dirty="0">
+                              <a:latin typeface="Times New Roman" panose="02020603050405020304" pitchFamily="18" charset="0"/>
+                              <a:cs typeface="Times New Roman" panose="02020603050405020304" pitchFamily="18" charset="0"/>
+                            </a:rPr>
+                            <a:t>pc3</a:t>
+                          </a:r>
+                          <a:r>
+                            <a:rPr lang="en-US" sz="1800" dirty="0">
+                              <a:solidFill>
+                                <a:sysClr val="windowText" lastClr="000000"/>
+                              </a:solidFill>
+                              <a:latin typeface="Times New Roman" panose="02020603050405020304" pitchFamily="18" charset="0"/>
+                              <a:cs typeface="Times New Roman" panose="02020603050405020304" pitchFamily="18" charset="0"/>
+                            </a:rPr>
+                            <a:t>)</a:t>
+                          </a:r>
+                          <a:endParaRPr lang="en-US" dirty="0">
+                            <a:solidFill>
+                              <a:sysClr val="windowText" lastClr="000000"/>
+                            </a:solidFill>
+                            <a:latin typeface="Times New Roman" panose="02020603050405020304" pitchFamily="18" charset="0"/>
+                            <a:cs typeface="Times New Roman" panose="02020603050405020304" pitchFamily="18" charset="0"/>
+                          </a:endParaRPr>
+                        </a:p>
+                      </a:txBody>
+                      <a:tcPr anchor="ctr">
+                        <a:noFill/>
+                      </a:tcPr>
+                    </a:tc>
+                    <a:tc>
+                      <a:txBody>
+                        <a:bodyPr/>
+                        <a:lstStyle/>
+                        <a:p>
+                          <a:pPr algn="ctr"/>
+                          <a:r>
+                            <a:rPr lang="en-US" dirty="0">
+                              <a:solidFill>
+                                <a:sysClr val="windowText" lastClr="000000"/>
+                              </a:solidFill>
+                              <a:latin typeface="Times New Roman" panose="02020603050405020304" pitchFamily="18" charset="0"/>
+                              <a:cs typeface="Times New Roman" panose="02020603050405020304" pitchFamily="18" charset="0"/>
+                            </a:rPr>
+                            <a:t>0.6931</a:t>
+                          </a:r>
+                        </a:p>
+                      </a:txBody>
+                      <a:tcPr anchor="ctr">
+                        <a:noFill/>
+                      </a:tcPr>
+                    </a:tc>
+                    <a:tc>
+                      <a:txBody>
+                        <a:bodyPr/>
+                        <a:lstStyle/>
+                        <a:p>
+                          <a:pPr algn="ctr"/>
+                          <a:r>
+                            <a:rPr lang="en-US" dirty="0">
+                              <a:solidFill>
+                                <a:sysClr val="windowText" lastClr="000000"/>
+                              </a:solidFill>
+                              <a:latin typeface="Times New Roman" panose="02020603050405020304" pitchFamily="18" charset="0"/>
+                              <a:cs typeface="Times New Roman" panose="02020603050405020304" pitchFamily="18" charset="0"/>
+                            </a:rPr>
+                            <a:t>18.9736</a:t>
+                          </a:r>
+                        </a:p>
+                      </a:txBody>
+                      <a:tcPr anchor="ctr">
+                        <a:noFill/>
+                      </a:tcPr>
+                    </a:tc>
+                    <a:extLst>
+                      <a:ext uri="{0D108BD9-81ED-4DB2-BD59-A6C34878D82A}">
+                        <a16:rowId xmlns:a16="http://schemas.microsoft.com/office/drawing/2014/main" val="1385142118"/>
                       </a:ext>
                     </a:extLst>
                   </a:tr>
@@ -17824,7 +17842,7 @@
             </a:graphic>
           </p:graphicFrame>
         </mc:Choice>
-        <mc:Fallback xmlns="">
+        <mc:Fallback>
           <p:graphicFrame>
             <p:nvGraphicFramePr>
               <p:cNvPr id="4" name="Table 4">
@@ -17841,7 +17859,7 @@
                 <p:ph idx="1"/>
                 <p:extLst>
                   <p:ext uri="{D42A27DB-BD31-4B8C-83A1-F6EECF244321}">
-                    <p14:modId xmlns:p14="http://schemas.microsoft.com/office/powerpoint/2010/main" val="43502654"/>
+                    <p14:modId xmlns:p14="http://schemas.microsoft.com/office/powerpoint/2010/main" val="3375728378"/>
                   </p:ext>
                 </p:extLst>
               </p:nvPr>
@@ -17950,7 +17968,7 @@
                         <a:blipFill>
                           <a:blip r:embed="rId2"/>
                           <a:stretch>
-                            <a:fillRect l="-284987" t="-6557" r="-78552" b="-522951"/>
+                            <a:fillRect l="-284987" t="-6557" r="-78552" b="-527869"/>
                           </a:stretch>
                         </a:blipFill>
                       </a:tcPr>
@@ -18026,14 +18044,7 @@
                               <a:latin typeface="Times New Roman" panose="02020603050405020304" pitchFamily="18" charset="0"/>
                               <a:cs typeface="Times New Roman" panose="02020603050405020304" pitchFamily="18" charset="0"/>
                             </a:rPr>
-                            <a:t>BODYFAT ~ </a:t>
-                          </a:r>
-                          <a:r>
-                            <a:rPr lang="en-US" sz="1600" dirty="0">
-                              <a:latin typeface="Times New Roman" panose="02020603050405020304" pitchFamily="18" charset="0"/>
-                              <a:cs typeface="Times New Roman" panose="02020603050405020304" pitchFamily="18" charset="0"/>
-                            </a:rPr>
-                            <a:t>WEIGHT + ABDOMEN + FOREARM + WRIST</a:t>
+                            <a:t>BODYFAT ~ AGE + ADIPOSITY</a:t>
                           </a:r>
                         </a:p>
                         <a:p>
@@ -18046,7 +18057,7 @@
                               <a:latin typeface="Times New Roman" panose="02020603050405020304" pitchFamily="18" charset="0"/>
                               <a:cs typeface="Times New Roman" panose="02020603050405020304" pitchFamily="18" charset="0"/>
                             </a:rPr>
-                            <a:t>                                        (-0.1263)     (0.9163)           (0.4251)         (-1.4106)</a:t>
+                            <a:t>                                      (0.1243)   (1.4662)</a:t>
                           </a:r>
                         </a:p>
                       </a:txBody>
@@ -18060,320 +18071,8 @@
                           <a:headEnd type="none" w="med" len="med"/>
                           <a:tailEnd type="none" w="med" len="med"/>
                         </a:lnT>
-                        <a:noFill/>
-                      </a:tcPr>
-                    </a:tc>
-                    <a:tc>
-                      <a:txBody>
-                        <a:bodyPr/>
-                        <a:lstStyle/>
-                        <a:p>
-                          <a:pPr algn="ctr"/>
-                          <a:r>
-                            <a:rPr lang="en-US" dirty="0">
-                              <a:solidFill>
-                                <a:sysClr val="windowText" lastClr="000000"/>
-                              </a:solidFill>
-                              <a:latin typeface="Times New Roman" panose="02020603050405020304" pitchFamily="18" charset="0"/>
-                              <a:cs typeface="Times New Roman" panose="02020603050405020304" pitchFamily="18" charset="0"/>
-                            </a:rPr>
-                            <a:t>0.7303</a:t>
-                          </a:r>
-                        </a:p>
-                      </a:txBody>
-                      <a:tcPr anchor="ctr">
-                        <a:lnT w="12700" cap="flat" cmpd="sng" algn="ctr">
-                          <a:solidFill>
-                            <a:schemeClr val="tx1"/>
-                          </a:solidFill>
-                          <a:prstDash val="solid"/>
-                          <a:round/>
-                          <a:headEnd type="none" w="med" len="med"/>
-                          <a:tailEnd type="none" w="med" len="med"/>
-                        </a:lnT>
-                        <a:noFill/>
-                      </a:tcPr>
-                    </a:tc>
-                    <a:tc>
-                      <a:txBody>
-                        <a:bodyPr/>
-                        <a:lstStyle/>
-                        <a:p>
-                          <a:pPr algn="ctr"/>
-                          <a:r>
-                            <a:rPr lang="en-US" dirty="0">
-                              <a:solidFill>
-                                <a:sysClr val="windowText" lastClr="000000"/>
-                              </a:solidFill>
-                              <a:latin typeface="Times New Roman" panose="02020603050405020304" pitchFamily="18" charset="0"/>
-                              <a:cs typeface="Times New Roman" panose="02020603050405020304" pitchFamily="18" charset="0"/>
-                            </a:rPr>
-                            <a:t>16.5233</a:t>
-                          </a:r>
-                        </a:p>
-                      </a:txBody>
-                      <a:tcPr anchor="ctr">
-                        <a:lnT w="12700" cap="flat" cmpd="sng" algn="ctr">
-                          <a:solidFill>
-                            <a:schemeClr val="tx1"/>
-                          </a:solidFill>
-                          <a:prstDash val="solid"/>
-                          <a:round/>
-                          <a:headEnd type="none" w="med" len="med"/>
-                          <a:tailEnd type="none" w="med" len="med"/>
-                        </a:lnT>
-                        <a:noFill/>
-                      </a:tcPr>
-                    </a:tc>
-                    <a:extLst>
-                      <a:ext uri="{0D108BD9-81ED-4DB2-BD59-A6C34878D82A}">
-                        <a16:rowId xmlns:a16="http://schemas.microsoft.com/office/drawing/2014/main" val="1663483134"/>
-                      </a:ext>
-                    </a:extLst>
-                  </a:tr>
-                  <a:tr h="640080">
-                    <a:tc>
-                      <a:txBody>
-                        <a:bodyPr/>
-                        <a:lstStyle/>
-                        <a:p>
-                          <a:pPr algn="l"/>
-                          <a:r>
-                            <a:rPr lang="en-US" dirty="0">
-                              <a:solidFill>
-                                <a:sysClr val="windowText" lastClr="000000"/>
-                              </a:solidFill>
-                              <a:latin typeface="Times New Roman" panose="02020603050405020304" pitchFamily="18" charset="0"/>
-                              <a:cs typeface="Times New Roman" panose="02020603050405020304" pitchFamily="18" charset="0"/>
-                            </a:rPr>
-                            <a:t>Model 2: </a:t>
-                          </a:r>
-                          <a:r>
-                            <a:rPr lang="en-US" sz="1800" dirty="0">
-                              <a:solidFill>
-                                <a:sysClr val="windowText" lastClr="000000"/>
-                              </a:solidFill>
-                              <a:latin typeface="Times New Roman" panose="02020603050405020304" pitchFamily="18" charset="0"/>
-                              <a:cs typeface="Times New Roman" panose="02020603050405020304" pitchFamily="18" charset="0"/>
-                            </a:rPr>
-                            <a:t>Principal Component Regression</a:t>
-                          </a:r>
-                        </a:p>
-                        <a:p>
-                          <a:pPr algn="l"/>
-                          <a:r>
-                            <a:rPr lang="en-US" sz="1800" dirty="0">
-                              <a:solidFill>
-                                <a:sysClr val="windowText" lastClr="000000"/>
-                              </a:solidFill>
-                              <a:latin typeface="Times New Roman" panose="02020603050405020304" pitchFamily="18" charset="0"/>
-                              <a:cs typeface="Times New Roman" panose="02020603050405020304" pitchFamily="18" charset="0"/>
-                            </a:rPr>
-                            <a:t>                (BODYFAT ~ </a:t>
-                          </a:r>
-                          <a:r>
-                            <a:rPr lang="en-US" dirty="0">
-                              <a:latin typeface="Times New Roman" panose="02020603050405020304" pitchFamily="18" charset="0"/>
-                              <a:cs typeface="Times New Roman" panose="02020603050405020304" pitchFamily="18" charset="0"/>
-                            </a:rPr>
-                            <a:t>0.1627</a:t>
-                          </a:r>
-                          <a:r>
-                            <a:rPr lang="en-US" altLang="zh-CN" dirty="0">
-                              <a:latin typeface="Times New Roman" panose="02020603050405020304" pitchFamily="18" charset="0"/>
-                              <a:cs typeface="Times New Roman" panose="02020603050405020304" pitchFamily="18" charset="0"/>
-                            </a:rPr>
-                            <a:t>·</a:t>
-                          </a:r>
-                          <a:r>
-                            <a:rPr lang="en-US" dirty="0">
-                              <a:latin typeface="Times New Roman" panose="02020603050405020304" pitchFamily="18" charset="0"/>
-                              <a:cs typeface="Times New Roman" panose="02020603050405020304" pitchFamily="18" charset="0"/>
-                            </a:rPr>
-                            <a:t>pc1</a:t>
-                          </a:r>
-                          <a:r>
-                            <a:rPr lang="en-US" sz="1800" dirty="0">
-                              <a:solidFill>
-                                <a:sysClr val="windowText" lastClr="000000"/>
-                              </a:solidFill>
-                              <a:latin typeface="Times New Roman" panose="02020603050405020304" pitchFamily="18" charset="0"/>
-                              <a:cs typeface="Times New Roman" panose="02020603050405020304" pitchFamily="18" charset="0"/>
-                            </a:rPr>
-                            <a:t> + </a:t>
-                          </a:r>
-                          <a:r>
-                            <a:rPr lang="en-US" dirty="0">
-                              <a:latin typeface="Times New Roman" panose="02020603050405020304" pitchFamily="18" charset="0"/>
-                              <a:cs typeface="Times New Roman" panose="02020603050405020304" pitchFamily="18" charset="0"/>
-                            </a:rPr>
-                            <a:t>0.1828</a:t>
-                          </a:r>
-                          <a:r>
-                            <a:rPr lang="en-US" altLang="zh-CN" dirty="0">
-                              <a:latin typeface="Times New Roman" panose="02020603050405020304" pitchFamily="18" charset="0"/>
-                              <a:cs typeface="Times New Roman" panose="02020603050405020304" pitchFamily="18" charset="0"/>
-                            </a:rPr>
-                            <a:t>·</a:t>
-                          </a:r>
-                          <a:r>
-                            <a:rPr lang="en-US" dirty="0">
-                              <a:latin typeface="Times New Roman" panose="02020603050405020304" pitchFamily="18" charset="0"/>
-                              <a:cs typeface="Times New Roman" panose="02020603050405020304" pitchFamily="18" charset="0"/>
-                            </a:rPr>
-                            <a:t>pc2 +</a:t>
-                          </a:r>
-                          <a:r>
-                            <a:rPr lang="en-US" sz="1800" dirty="0">
-                              <a:solidFill>
-                                <a:sysClr val="windowText" lastClr="000000"/>
-                              </a:solidFill>
-                              <a:latin typeface="Times New Roman" panose="02020603050405020304" pitchFamily="18" charset="0"/>
-                              <a:cs typeface="Times New Roman" panose="02020603050405020304" pitchFamily="18" charset="0"/>
-                            </a:rPr>
-                            <a:t> </a:t>
-                          </a:r>
-                          <a:r>
-                            <a:rPr lang="en-US" dirty="0">
-                              <a:latin typeface="Times New Roman" panose="02020603050405020304" pitchFamily="18" charset="0"/>
-                              <a:cs typeface="Times New Roman" panose="02020603050405020304" pitchFamily="18" charset="0"/>
-                            </a:rPr>
-                            <a:t>0.6809</a:t>
-                          </a:r>
-                          <a:r>
-                            <a:rPr lang="en-US" altLang="zh-CN" dirty="0">
-                              <a:latin typeface="Times New Roman" panose="02020603050405020304" pitchFamily="18" charset="0"/>
-                              <a:cs typeface="Times New Roman" panose="02020603050405020304" pitchFamily="18" charset="0"/>
-                            </a:rPr>
-                            <a:t>·</a:t>
-                          </a:r>
-                          <a:r>
-                            <a:rPr lang="en-US" dirty="0">
-                              <a:latin typeface="Times New Roman" panose="02020603050405020304" pitchFamily="18" charset="0"/>
-                              <a:cs typeface="Times New Roman" panose="02020603050405020304" pitchFamily="18" charset="0"/>
-                            </a:rPr>
-                            <a:t>pc3</a:t>
-                          </a:r>
-                          <a:r>
-                            <a:rPr lang="en-US" sz="1800" dirty="0">
-                              <a:solidFill>
-                                <a:sysClr val="windowText" lastClr="000000"/>
-                              </a:solidFill>
-                              <a:latin typeface="Times New Roman" panose="02020603050405020304" pitchFamily="18" charset="0"/>
-                              <a:cs typeface="Times New Roman" panose="02020603050405020304" pitchFamily="18" charset="0"/>
-                            </a:rPr>
-                            <a:t>)</a:t>
-                          </a:r>
-                          <a:endParaRPr lang="en-US" dirty="0">
-                            <a:solidFill>
-                              <a:sysClr val="windowText" lastClr="000000"/>
-                            </a:solidFill>
-                            <a:latin typeface="Times New Roman" panose="02020603050405020304" pitchFamily="18" charset="0"/>
-                            <a:cs typeface="Times New Roman" panose="02020603050405020304" pitchFamily="18" charset="0"/>
-                          </a:endParaRPr>
-                        </a:p>
-                      </a:txBody>
-                      <a:tcPr anchor="ctr">
-                        <a:noFill/>
-                      </a:tcPr>
-                    </a:tc>
-                    <a:tc>
-                      <a:txBody>
-                        <a:bodyPr/>
-                        <a:lstStyle/>
-                        <a:p>
-                          <a:pPr algn="ctr"/>
-                          <a:r>
-                            <a:rPr lang="en-US" dirty="0">
-                              <a:solidFill>
-                                <a:sysClr val="windowText" lastClr="000000"/>
-                              </a:solidFill>
-                              <a:latin typeface="Times New Roman" panose="02020603050405020304" pitchFamily="18" charset="0"/>
-                              <a:cs typeface="Times New Roman" panose="02020603050405020304" pitchFamily="18" charset="0"/>
-                            </a:rPr>
-                            <a:t>0.6931</a:t>
-                          </a:r>
-                        </a:p>
-                      </a:txBody>
-                      <a:tcPr anchor="ctr">
-                        <a:noFill/>
-                      </a:tcPr>
-                    </a:tc>
-                    <a:tc>
-                      <a:txBody>
-                        <a:bodyPr/>
-                        <a:lstStyle/>
-                        <a:p>
-                          <a:pPr algn="ctr"/>
-                          <a:r>
-                            <a:rPr lang="en-US" dirty="0">
-                              <a:solidFill>
-                                <a:sysClr val="windowText" lastClr="000000"/>
-                              </a:solidFill>
-                              <a:latin typeface="Times New Roman" panose="02020603050405020304" pitchFamily="18" charset="0"/>
-                              <a:cs typeface="Times New Roman" panose="02020603050405020304" pitchFamily="18" charset="0"/>
-                            </a:rPr>
-                            <a:t>18.9736</a:t>
-                          </a:r>
-                        </a:p>
-                      </a:txBody>
-                      <a:tcPr anchor="ctr">
-                        <a:noFill/>
-                      </a:tcPr>
-                    </a:tc>
-                    <a:extLst>
-                      <a:ext uri="{0D108BD9-81ED-4DB2-BD59-A6C34878D82A}">
-                        <a16:rowId xmlns:a16="http://schemas.microsoft.com/office/drawing/2014/main" val="1385142118"/>
-                      </a:ext>
-                    </a:extLst>
-                  </a:tr>
-                  <a:tr h="609600">
-                    <a:tc>
-                      <a:txBody>
-                        <a:bodyPr/>
-                        <a:lstStyle/>
-                        <a:p>
-                          <a:pPr algn="l"/>
-                          <a:r>
-                            <a:rPr lang="en-US" sz="1800" dirty="0">
-                              <a:solidFill>
-                                <a:sysClr val="windowText" lastClr="000000"/>
-                              </a:solidFill>
-                              <a:latin typeface="Times New Roman" panose="02020603050405020304" pitchFamily="18" charset="0"/>
-                              <a:cs typeface="Times New Roman" panose="02020603050405020304" pitchFamily="18" charset="0"/>
-                            </a:rPr>
-                            <a:t>Model 3: </a:t>
-                          </a:r>
-                          <a:r>
-                            <a:rPr lang="en-US" sz="1600" dirty="0">
-                              <a:solidFill>
-                                <a:sysClr val="windowText" lastClr="000000"/>
-                              </a:solidFill>
-                              <a:latin typeface="Times New Roman" panose="02020603050405020304" pitchFamily="18" charset="0"/>
-                              <a:cs typeface="Times New Roman" panose="02020603050405020304" pitchFamily="18" charset="0"/>
-                            </a:rPr>
-                            <a:t>BODYFAT ~ AGE + ADIPOSITY</a:t>
-                          </a:r>
-                        </a:p>
-                        <a:p>
-                          <a:pPr algn="l"/>
-                          <a:r>
-                            <a:rPr lang="en-US" sz="1600" dirty="0">
-                              <a:solidFill>
-                                <a:sysClr val="windowText" lastClr="000000"/>
-                              </a:solidFill>
-                              <a:latin typeface="Times New Roman" panose="02020603050405020304" pitchFamily="18" charset="0"/>
-                              <a:cs typeface="Times New Roman" panose="02020603050405020304" pitchFamily="18" charset="0"/>
-                            </a:rPr>
-                            <a:t>                                      (0.1243)   (1.4662)</a:t>
-                          </a:r>
-                        </a:p>
-                      </a:txBody>
-                      <a:tcPr anchor="ctr">
                         <a:lnB w="12700" cap="flat" cmpd="sng" algn="ctr">
-                          <a:solidFill>
-                            <a:schemeClr val="tx1"/>
-                          </a:solidFill>
+                          <a:noFill/>
                           <a:prstDash val="solid"/>
                           <a:round/>
                           <a:headEnd type="none" w="med" len="med"/>
@@ -18417,10 +18116,17 @@
                         </a:p>
                       </a:txBody>
                       <a:tcPr anchor="ctr">
-                        <a:lnB w="12700" cap="flat" cmpd="sng" algn="ctr">
+                        <a:lnT w="12700" cap="flat" cmpd="sng" algn="ctr">
                           <a:solidFill>
                             <a:schemeClr val="tx1"/>
                           </a:solidFill>
+                          <a:prstDash val="solid"/>
+                          <a:round/>
+                          <a:headEnd type="none" w="med" len="med"/>
+                          <a:tailEnd type="none" w="med" len="med"/>
+                        </a:lnT>
+                        <a:lnB w="12700" cap="flat" cmpd="sng" algn="ctr">
+                          <a:noFill/>
                           <a:prstDash val="solid"/>
                           <a:round/>
                           <a:headEnd type="none" w="med" len="med"/>
@@ -18448,10 +18154,17 @@
                         </a:p>
                       </a:txBody>
                       <a:tcPr anchor="ctr">
-                        <a:lnB w="12700" cap="flat" cmpd="sng" algn="ctr">
+                        <a:lnT w="12700" cap="flat" cmpd="sng" algn="ctr">
                           <a:solidFill>
                             <a:schemeClr val="tx1"/>
                           </a:solidFill>
+                          <a:prstDash val="solid"/>
+                          <a:round/>
+                          <a:headEnd type="none" w="med" len="med"/>
+                          <a:tailEnd type="none" w="med" len="med"/>
+                        </a:lnT>
+                        <a:lnB w="12700" cap="flat" cmpd="sng" algn="ctr">
+                          <a:noFill/>
                           <a:prstDash val="solid"/>
                           <a:round/>
                           <a:headEnd type="none" w="med" len="med"/>
@@ -18462,7 +18175,327 @@
                     </a:tc>
                     <a:extLst>
                       <a:ext uri="{0D108BD9-81ED-4DB2-BD59-A6C34878D82A}">
-                        <a16:rowId xmlns:a16="http://schemas.microsoft.com/office/drawing/2014/main" val="2710235601"/>
+                        <a16:rowId xmlns:a16="http://schemas.microsoft.com/office/drawing/2014/main" val="1857135404"/>
+                      </a:ext>
+                    </a:extLst>
+                  </a:tr>
+                  <a:tr h="609600">
+                    <a:tc>
+                      <a:txBody>
+                        <a:bodyPr/>
+                        <a:lstStyle/>
+                        <a:p>
+                          <a:pPr algn="l"/>
+                          <a:r>
+                            <a:rPr lang="en-US" sz="1800" dirty="0">
+                              <a:solidFill>
+                                <a:sysClr val="windowText" lastClr="000000"/>
+                              </a:solidFill>
+                              <a:latin typeface="Times New Roman" panose="02020603050405020304" pitchFamily="18" charset="0"/>
+                              <a:cs typeface="Times New Roman" panose="02020603050405020304" pitchFamily="18" charset="0"/>
+                            </a:rPr>
+                            <a:t>Model 2: </a:t>
+                          </a:r>
+                          <a:r>
+                            <a:rPr lang="en-US" sz="1600" dirty="0">
+                              <a:solidFill>
+                                <a:sysClr val="windowText" lastClr="000000"/>
+                              </a:solidFill>
+                              <a:latin typeface="Times New Roman" panose="02020603050405020304" pitchFamily="18" charset="0"/>
+                              <a:cs typeface="Times New Roman" panose="02020603050405020304" pitchFamily="18" charset="0"/>
+                            </a:rPr>
+                            <a:t>BODYFAT ~ </a:t>
+                          </a:r>
+                          <a:r>
+                            <a:rPr lang="en-US" sz="1600" dirty="0">
+                              <a:latin typeface="Times New Roman" panose="02020603050405020304" pitchFamily="18" charset="0"/>
+                              <a:cs typeface="Times New Roman" panose="02020603050405020304" pitchFamily="18" charset="0"/>
+                            </a:rPr>
+                            <a:t>WEIGHT + ABDOMEN + FOREARM + WRIST</a:t>
+                          </a:r>
+                        </a:p>
+                        <a:p>
+                          <a:pPr algn="l"/>
+                          <a:r>
+                            <a:rPr lang="en-US" sz="1600" dirty="0">
+                              <a:solidFill>
+                                <a:sysClr val="windowText" lastClr="000000"/>
+                              </a:solidFill>
+                              <a:latin typeface="Times New Roman" panose="02020603050405020304" pitchFamily="18" charset="0"/>
+                              <a:cs typeface="Times New Roman" panose="02020603050405020304" pitchFamily="18" charset="0"/>
+                            </a:rPr>
+                            <a:t>                                        (-0.1263)     (0.9163)           (0.4251)         (-1.4106)</a:t>
+                          </a:r>
+                        </a:p>
+                      </a:txBody>
+                      <a:tcPr anchor="ctr">
+                        <a:lnT w="12700" cap="flat" cmpd="sng" algn="ctr">
+                          <a:noFill/>
+                          <a:prstDash val="solid"/>
+                          <a:round/>
+                          <a:headEnd type="none" w="med" len="med"/>
+                          <a:tailEnd type="none" w="med" len="med"/>
+                        </a:lnT>
+                        <a:noFill/>
+                      </a:tcPr>
+                    </a:tc>
+                    <a:tc>
+                      <a:txBody>
+                        <a:bodyPr/>
+                        <a:lstStyle/>
+                        <a:p>
+                          <a:pPr algn="ctr"/>
+                          <a:r>
+                            <a:rPr lang="en-US" dirty="0">
+                              <a:solidFill>
+                                <a:sysClr val="windowText" lastClr="000000"/>
+                              </a:solidFill>
+                              <a:latin typeface="Times New Roman" panose="02020603050405020304" pitchFamily="18" charset="0"/>
+                              <a:cs typeface="Times New Roman" panose="02020603050405020304" pitchFamily="18" charset="0"/>
+                            </a:rPr>
+                            <a:t>0.7303</a:t>
+                          </a:r>
+                        </a:p>
+                      </a:txBody>
+                      <a:tcPr anchor="ctr">
+                        <a:lnT w="12700" cap="flat" cmpd="sng" algn="ctr">
+                          <a:noFill/>
+                          <a:prstDash val="solid"/>
+                          <a:round/>
+                          <a:headEnd type="none" w="med" len="med"/>
+                          <a:tailEnd type="none" w="med" len="med"/>
+                        </a:lnT>
+                        <a:noFill/>
+                      </a:tcPr>
+                    </a:tc>
+                    <a:tc>
+                      <a:txBody>
+                        <a:bodyPr/>
+                        <a:lstStyle/>
+                        <a:p>
+                          <a:pPr algn="ctr"/>
+                          <a:r>
+                            <a:rPr lang="en-US" dirty="0">
+                              <a:solidFill>
+                                <a:sysClr val="windowText" lastClr="000000"/>
+                              </a:solidFill>
+                              <a:latin typeface="Times New Roman" panose="02020603050405020304" pitchFamily="18" charset="0"/>
+                              <a:cs typeface="Times New Roman" panose="02020603050405020304" pitchFamily="18" charset="0"/>
+                            </a:rPr>
+                            <a:t>16.5233</a:t>
+                          </a:r>
+                        </a:p>
+                      </a:txBody>
+                      <a:tcPr anchor="ctr">
+                        <a:lnT w="12700" cap="flat" cmpd="sng" algn="ctr">
+                          <a:noFill/>
+                          <a:prstDash val="solid"/>
+                          <a:round/>
+                          <a:headEnd type="none" w="med" len="med"/>
+                          <a:tailEnd type="none" w="med" len="med"/>
+                        </a:lnT>
+                        <a:noFill/>
+                      </a:tcPr>
+                    </a:tc>
+                    <a:extLst>
+                      <a:ext uri="{0D108BD9-81ED-4DB2-BD59-A6C34878D82A}">
+                        <a16:rowId xmlns:a16="http://schemas.microsoft.com/office/drawing/2014/main" val="1663483134"/>
+                      </a:ext>
+                    </a:extLst>
+                  </a:tr>
+                  <a:tr h="640080">
+                    <a:tc>
+                      <a:txBody>
+                        <a:bodyPr/>
+                        <a:lstStyle/>
+                        <a:p>
+                          <a:pPr algn="l"/>
+                          <a:r>
+                            <a:rPr lang="en-US" dirty="0">
+                              <a:solidFill>
+                                <a:sysClr val="windowText" lastClr="000000"/>
+                              </a:solidFill>
+                              <a:latin typeface="Times New Roman" panose="02020603050405020304" pitchFamily="18" charset="0"/>
+                              <a:cs typeface="Times New Roman" panose="02020603050405020304" pitchFamily="18" charset="0"/>
+                            </a:rPr>
+                            <a:t>Model 3: </a:t>
+                          </a:r>
+                          <a:r>
+                            <a:rPr lang="en-US" sz="1800" dirty="0">
+                              <a:solidFill>
+                                <a:sysClr val="windowText" lastClr="000000"/>
+                              </a:solidFill>
+                              <a:latin typeface="Times New Roman" panose="02020603050405020304" pitchFamily="18" charset="0"/>
+                              <a:cs typeface="Times New Roman" panose="02020603050405020304" pitchFamily="18" charset="0"/>
+                            </a:rPr>
+                            <a:t>Principal Component Regression</a:t>
+                          </a:r>
+                        </a:p>
+                        <a:p>
+                          <a:pPr algn="l"/>
+                          <a:r>
+                            <a:rPr lang="en-US" sz="1800" dirty="0">
+                              <a:solidFill>
+                                <a:sysClr val="windowText" lastClr="000000"/>
+                              </a:solidFill>
+                              <a:latin typeface="Times New Roman" panose="02020603050405020304" pitchFamily="18" charset="0"/>
+                              <a:cs typeface="Times New Roman" panose="02020603050405020304" pitchFamily="18" charset="0"/>
+                            </a:rPr>
+                            <a:t>                (BODYFAT ~ </a:t>
+                          </a:r>
+                          <a:r>
+                            <a:rPr lang="en-US" dirty="0">
+                              <a:latin typeface="Times New Roman" panose="02020603050405020304" pitchFamily="18" charset="0"/>
+                              <a:cs typeface="Times New Roman" panose="02020603050405020304" pitchFamily="18" charset="0"/>
+                            </a:rPr>
+                            <a:t>0.1627</a:t>
+                          </a:r>
+                          <a:r>
+                            <a:rPr lang="en-US" altLang="zh-CN" dirty="0">
+                              <a:latin typeface="Times New Roman" panose="02020603050405020304" pitchFamily="18" charset="0"/>
+                              <a:cs typeface="Times New Roman" panose="02020603050405020304" pitchFamily="18" charset="0"/>
+                            </a:rPr>
+                            <a:t>·</a:t>
+                          </a:r>
+                          <a:r>
+                            <a:rPr lang="en-US" dirty="0">
+                              <a:latin typeface="Times New Roman" panose="02020603050405020304" pitchFamily="18" charset="0"/>
+                              <a:cs typeface="Times New Roman" panose="02020603050405020304" pitchFamily="18" charset="0"/>
+                            </a:rPr>
+                            <a:t>pc1</a:t>
+                          </a:r>
+                          <a:r>
+                            <a:rPr lang="en-US" sz="1800" dirty="0">
+                              <a:solidFill>
+                                <a:sysClr val="windowText" lastClr="000000"/>
+                              </a:solidFill>
+                              <a:latin typeface="Times New Roman" panose="02020603050405020304" pitchFamily="18" charset="0"/>
+                              <a:cs typeface="Times New Roman" panose="02020603050405020304" pitchFamily="18" charset="0"/>
+                            </a:rPr>
+                            <a:t> + </a:t>
+                          </a:r>
+                          <a:r>
+                            <a:rPr lang="en-US" dirty="0">
+                              <a:latin typeface="Times New Roman" panose="02020603050405020304" pitchFamily="18" charset="0"/>
+                              <a:cs typeface="Times New Roman" panose="02020603050405020304" pitchFamily="18" charset="0"/>
+                            </a:rPr>
+                            <a:t>0.1828</a:t>
+                          </a:r>
+                          <a:r>
+                            <a:rPr lang="en-US" altLang="zh-CN" dirty="0">
+                              <a:latin typeface="Times New Roman" panose="02020603050405020304" pitchFamily="18" charset="0"/>
+                              <a:cs typeface="Times New Roman" panose="02020603050405020304" pitchFamily="18" charset="0"/>
+                            </a:rPr>
+                            <a:t>·</a:t>
+                          </a:r>
+                          <a:r>
+                            <a:rPr lang="en-US" dirty="0">
+                              <a:latin typeface="Times New Roman" panose="02020603050405020304" pitchFamily="18" charset="0"/>
+                              <a:cs typeface="Times New Roman" panose="02020603050405020304" pitchFamily="18" charset="0"/>
+                            </a:rPr>
+                            <a:t>pc2 +</a:t>
+                          </a:r>
+                          <a:r>
+                            <a:rPr lang="en-US" sz="1800" dirty="0">
+                              <a:solidFill>
+                                <a:sysClr val="windowText" lastClr="000000"/>
+                              </a:solidFill>
+                              <a:latin typeface="Times New Roman" panose="02020603050405020304" pitchFamily="18" charset="0"/>
+                              <a:cs typeface="Times New Roman" panose="02020603050405020304" pitchFamily="18" charset="0"/>
+                            </a:rPr>
+                            <a:t> </a:t>
+                          </a:r>
+                          <a:r>
+                            <a:rPr lang="en-US" dirty="0">
+                              <a:latin typeface="Times New Roman" panose="02020603050405020304" pitchFamily="18" charset="0"/>
+                              <a:cs typeface="Times New Roman" panose="02020603050405020304" pitchFamily="18" charset="0"/>
+                            </a:rPr>
+                            <a:t>0.6809</a:t>
+                          </a:r>
+                          <a:r>
+                            <a:rPr lang="en-US" altLang="zh-CN" dirty="0">
+                              <a:latin typeface="Times New Roman" panose="02020603050405020304" pitchFamily="18" charset="0"/>
+                              <a:cs typeface="Times New Roman" panose="02020603050405020304" pitchFamily="18" charset="0"/>
+                            </a:rPr>
+                            <a:t>·</a:t>
+                          </a:r>
+                          <a:r>
+                            <a:rPr lang="en-US" dirty="0">
+                              <a:latin typeface="Times New Roman" panose="02020603050405020304" pitchFamily="18" charset="0"/>
+                              <a:cs typeface="Times New Roman" panose="02020603050405020304" pitchFamily="18" charset="0"/>
+                            </a:rPr>
+                            <a:t>pc3</a:t>
+                          </a:r>
+                          <a:r>
+                            <a:rPr lang="en-US" sz="1800" dirty="0">
+                              <a:solidFill>
+                                <a:sysClr val="windowText" lastClr="000000"/>
+                              </a:solidFill>
+                              <a:latin typeface="Times New Roman" panose="02020603050405020304" pitchFamily="18" charset="0"/>
+                              <a:cs typeface="Times New Roman" panose="02020603050405020304" pitchFamily="18" charset="0"/>
+                            </a:rPr>
+                            <a:t>)</a:t>
+                          </a:r>
+                          <a:endParaRPr lang="en-US" dirty="0">
+                            <a:solidFill>
+                              <a:sysClr val="windowText" lastClr="000000"/>
+                            </a:solidFill>
+                            <a:latin typeface="Times New Roman" panose="02020603050405020304" pitchFamily="18" charset="0"/>
+                            <a:cs typeface="Times New Roman" panose="02020603050405020304" pitchFamily="18" charset="0"/>
+                          </a:endParaRPr>
+                        </a:p>
+                      </a:txBody>
+                      <a:tcPr anchor="ctr">
+                        <a:noFill/>
+                      </a:tcPr>
+                    </a:tc>
+                    <a:tc>
+                      <a:txBody>
+                        <a:bodyPr/>
+                        <a:lstStyle/>
+                        <a:p>
+                          <a:pPr algn="ctr"/>
+                          <a:r>
+                            <a:rPr lang="en-US" dirty="0">
+                              <a:solidFill>
+                                <a:sysClr val="windowText" lastClr="000000"/>
+                              </a:solidFill>
+                              <a:latin typeface="Times New Roman" panose="02020603050405020304" pitchFamily="18" charset="0"/>
+                              <a:cs typeface="Times New Roman" panose="02020603050405020304" pitchFamily="18" charset="0"/>
+                            </a:rPr>
+                            <a:t>0.6931</a:t>
+                          </a:r>
+                        </a:p>
+                      </a:txBody>
+                      <a:tcPr anchor="ctr">
+                        <a:noFill/>
+                      </a:tcPr>
+                    </a:tc>
+                    <a:tc>
+                      <a:txBody>
+                        <a:bodyPr/>
+                        <a:lstStyle/>
+                        <a:p>
+                          <a:pPr algn="ctr"/>
+                          <a:r>
+                            <a:rPr lang="en-US" dirty="0">
+                              <a:solidFill>
+                                <a:sysClr val="windowText" lastClr="000000"/>
+                              </a:solidFill>
+                              <a:latin typeface="Times New Roman" panose="02020603050405020304" pitchFamily="18" charset="0"/>
+                              <a:cs typeface="Times New Roman" panose="02020603050405020304" pitchFamily="18" charset="0"/>
+                            </a:rPr>
+                            <a:t>18.9736</a:t>
+                          </a:r>
+                        </a:p>
+                      </a:txBody>
+                      <a:tcPr anchor="ctr">
+                        <a:noFill/>
+                      </a:tcPr>
+                    </a:tc>
+                    <a:extLst>
+                      <a:ext uri="{0D108BD9-81ED-4DB2-BD59-A6C34878D82A}">
+                        <a16:rowId xmlns:a16="http://schemas.microsoft.com/office/drawing/2014/main" val="1385142118"/>
                       </a:ext>
                     </a:extLst>
                   </a:tr>
@@ -18472,8 +18505,8 @@
           </p:graphicFrame>
         </mc:Fallback>
       </mc:AlternateContent>
-      <mc:AlternateContent xmlns:mc="http://schemas.openxmlformats.org/markup-compatibility/2006" xmlns:a14="http://schemas.microsoft.com/office/drawing/2010/main">
-        <mc:Choice Requires="a14">
+      <mc:AlternateContent xmlns:mc="http://schemas.openxmlformats.org/markup-compatibility/2006">
+        <mc:Choice xmlns:a14="http://schemas.microsoft.com/office/drawing/2010/main" Requires="a14">
           <p:sp>
             <p:nvSpPr>
               <p:cNvPr id="6" name="TextBox 5">
@@ -18514,7 +18547,7 @@
                     <a:latin typeface="Times New Roman" panose="02020603050405020304" pitchFamily="18" charset="0"/>
                     <a:cs typeface="Times New Roman" panose="02020603050405020304" pitchFamily="18" charset="0"/>
                   </a:rPr>
-                  <a:t>Model 1 produces the largest </a:t>
+                  <a:t>Model 2 produces the largest </a:t>
                 </a:r>
                 <a14:m>
                   <m:oMath xmlns:m="http://schemas.openxmlformats.org/officeDocument/2006/math">
@@ -18578,7 +18611,7 @@
                     <a:latin typeface="Times New Roman" panose="02020603050405020304" pitchFamily="18" charset="0"/>
                     <a:cs typeface="Times New Roman" panose="02020603050405020304" pitchFamily="18" charset="0"/>
                   </a:rPr>
-                  <a:t>Model 2 can well solve multicollinearity problem and give relatively good prediction. </a:t>
+                  <a:t>Model 3 can well solve multicollinearity problem and give relatively good prediction. </a:t>
                 </a:r>
               </a:p>
               <a:p>
@@ -18594,13 +18627,13 @@
                     <a:latin typeface="Times New Roman" panose="02020603050405020304" pitchFamily="18" charset="0"/>
                     <a:cs typeface="Times New Roman" panose="02020603050405020304" pitchFamily="18" charset="0"/>
                   </a:rPr>
-                  <a:t>Model 3 explains least proportion of variance in response among three candidate models. </a:t>
+                  <a:t>Model 1 explains least proportion of variance in response among three candidate models. </a:t>
                 </a:r>
               </a:p>
             </p:txBody>
           </p:sp>
         </mc:Choice>
-        <mc:Fallback xmlns="">
+        <mc:Fallback>
           <p:sp>
             <p:nvSpPr>
               <p:cNvPr id="6" name="TextBox 5">

--- a/slides/Module 2.pptx
+++ b/slides/Module 2.pptx
@@ -17152,7 +17152,7 @@
                 <p:ph idx="1"/>
                 <p:extLst>
                   <p:ext uri="{D42A27DB-BD31-4B8C-83A1-F6EECF244321}">
-                    <p14:modId xmlns:p14="http://schemas.microsoft.com/office/powerpoint/2010/main" val="3375728378"/>
+                    <p14:modId xmlns:p14="http://schemas.microsoft.com/office/powerpoint/2010/main" val="3444432738"/>
                   </p:ext>
                 </p:extLst>
               </p:nvPr>
@@ -17784,6 +17784,15 @@
                         </a:p>
                       </a:txBody>
                       <a:tcPr anchor="ctr">
+                        <a:lnB w="12700" cap="flat" cmpd="sng" algn="ctr">
+                          <a:solidFill>
+                            <a:schemeClr val="tx1"/>
+                          </a:solidFill>
+                          <a:prstDash val="solid"/>
+                          <a:round/>
+                          <a:headEnd type="none" w="med" len="med"/>
+                          <a:tailEnd type="none" w="med" len="med"/>
+                        </a:lnB>
                         <a:noFill/>
                       </a:tcPr>
                     </a:tc>
@@ -17806,6 +17815,15 @@
                         </a:p>
                       </a:txBody>
                       <a:tcPr anchor="ctr">
+                        <a:lnB w="12700" cap="flat" cmpd="sng" algn="ctr">
+                          <a:solidFill>
+                            <a:schemeClr val="tx1"/>
+                          </a:solidFill>
+                          <a:prstDash val="solid"/>
+                          <a:round/>
+                          <a:headEnd type="none" w="med" len="med"/>
+                          <a:tailEnd type="none" w="med" len="med"/>
+                        </a:lnB>
                         <a:noFill/>
                       </a:tcPr>
                     </a:tc>
@@ -17828,6 +17846,15 @@
                         </a:p>
                       </a:txBody>
                       <a:tcPr anchor="ctr">
+                        <a:lnB w="12700" cap="flat" cmpd="sng" algn="ctr">
+                          <a:solidFill>
+                            <a:schemeClr val="tx1"/>
+                          </a:solidFill>
+                          <a:prstDash val="solid"/>
+                          <a:round/>
+                          <a:headEnd type="none" w="med" len="med"/>
+                          <a:tailEnd type="none" w="med" len="med"/>
+                        </a:lnB>
                         <a:noFill/>
                       </a:tcPr>
                     </a:tc>
@@ -17859,7 +17886,7 @@
                 <p:ph idx="1"/>
                 <p:extLst>
                   <p:ext uri="{D42A27DB-BD31-4B8C-83A1-F6EECF244321}">
-                    <p14:modId xmlns:p14="http://schemas.microsoft.com/office/powerpoint/2010/main" val="3375728378"/>
+                    <p14:modId xmlns:p14="http://schemas.microsoft.com/office/powerpoint/2010/main" val="3444432738"/>
                   </p:ext>
                 </p:extLst>
               </p:nvPr>
@@ -18446,6 +18473,15 @@
                         </a:p>
                       </a:txBody>
                       <a:tcPr anchor="ctr">
+                        <a:lnB w="12700" cap="flat" cmpd="sng" algn="ctr">
+                          <a:solidFill>
+                            <a:schemeClr val="tx1"/>
+                          </a:solidFill>
+                          <a:prstDash val="solid"/>
+                          <a:round/>
+                          <a:headEnd type="none" w="med" len="med"/>
+                          <a:tailEnd type="none" w="med" len="med"/>
+                        </a:lnB>
                         <a:noFill/>
                       </a:tcPr>
                     </a:tc>
@@ -18468,6 +18504,15 @@
                         </a:p>
                       </a:txBody>
                       <a:tcPr anchor="ctr">
+                        <a:lnB w="12700" cap="flat" cmpd="sng" algn="ctr">
+                          <a:solidFill>
+                            <a:schemeClr val="tx1"/>
+                          </a:solidFill>
+                          <a:prstDash val="solid"/>
+                          <a:round/>
+                          <a:headEnd type="none" w="med" len="med"/>
+                          <a:tailEnd type="none" w="med" len="med"/>
+                        </a:lnB>
                         <a:noFill/>
                       </a:tcPr>
                     </a:tc>
@@ -18490,6 +18535,15 @@
                         </a:p>
                       </a:txBody>
                       <a:tcPr anchor="ctr">
+                        <a:lnB w="12700" cap="flat" cmpd="sng" algn="ctr">
+                          <a:solidFill>
+                            <a:schemeClr val="tx1"/>
+                          </a:solidFill>
+                          <a:prstDash val="solid"/>
+                          <a:round/>
+                          <a:headEnd type="none" w="med" len="med"/>
+                          <a:tailEnd type="none" w="med" len="med"/>
+                        </a:lnB>
                         <a:noFill/>
                       </a:tcPr>
                     </a:tc>
